--- a/presentation/pm1_presentation_Margarita.pptx
+++ b/presentation/pm1_presentation_Margarita.pptx
@@ -13648,60 +13648,6 @@
       </p:sp>
       <p:pic>
         <p:nvPicPr>
-          <p:cNvPr id="10" name="Imagen 9" descr="Logotipo, nombre de la empresa&#10;&#10;Descripción generada automáticamente">
-            <a:extLst>
-              <a:ext uri="{FF2B5EF4-FFF2-40B4-BE49-F238E27FC236}">
-                <a16:creationId xmlns:a16="http://schemas.microsoft.com/office/drawing/2014/main" id="{522307FB-9000-82E1-4E6D-1F90CB627601}"/>
-              </a:ext>
-            </a:extLst>
-          </p:cNvPr>
-          <p:cNvPicPr>
-            <a:picLocks noChangeAspect="1"/>
-          </p:cNvPicPr>
-          <p:nvPr/>
-        </p:nvPicPr>
-        <p:blipFill>
-          <a:blip r:embed="rId2"/>
-          <a:stretch>
-            <a:fillRect/>
-          </a:stretch>
-        </p:blipFill>
-        <p:spPr>
-          <a:xfrm>
-            <a:off x="1851518" y="3741093"/>
-            <a:ext cx="646405" cy="482318"/>
-          </a:xfrm>
-          <a:prstGeom prst="roundRect">
-            <a:avLst>
-              <a:gd name="adj" fmla="val 16667"/>
-            </a:avLst>
-          </a:prstGeom>
-          <a:ln>
-            <a:noFill/>
-          </a:ln>
-          <a:effectLst>
-            <a:outerShdw blurRad="76200" dist="38100" dir="7800000" algn="tl" rotWithShape="0">
-              <a:srgbClr val="000000">
-                <a:alpha val="40000"/>
-              </a:srgbClr>
-            </a:outerShdw>
-          </a:effectLst>
-          <a:scene3d>
-            <a:camera prst="orthographicFront"/>
-            <a:lightRig rig="contrasting" dir="t">
-              <a:rot lat="0" lon="0" rev="4200000"/>
-            </a:lightRig>
-          </a:scene3d>
-          <a:sp3d prstMaterial="plastic">
-            <a:bevelT w="381000" h="114300" prst="relaxedInset"/>
-            <a:contourClr>
-              <a:srgbClr val="969696"/>
-            </a:contourClr>
-          </a:sp3d>
-        </p:spPr>
-      </p:pic>
-      <p:pic>
-        <p:nvPicPr>
           <p:cNvPr id="12" name="Imagen 11" descr="Icono&#10;&#10;Descripción generada automáticamente">
             <a:extLst>
               <a:ext uri="{FF2B5EF4-FFF2-40B4-BE49-F238E27FC236}">
@@ -13715,7 +13661,7 @@
           <p:nvPr/>
         </p:nvPicPr>
         <p:blipFill>
-          <a:blip r:embed="rId3"/>
+          <a:blip r:embed="rId2"/>
           <a:stretch>
             <a:fillRect/>
           </a:stretch>
@@ -13769,7 +13715,7 @@
           <p:nvPr/>
         </p:nvPicPr>
         <p:blipFill>
-          <a:blip r:embed="rId4"/>
+          <a:blip r:embed="rId3"/>
           <a:stretch>
             <a:fillRect/>
           </a:stretch>
@@ -13823,7 +13769,7 @@
           <p:nvPr/>
         </p:nvPicPr>
         <p:blipFill>
-          <a:blip r:embed="rId5"/>
+          <a:blip r:embed="rId4"/>
           <a:stretch>
             <a:fillRect/>
           </a:stretch>
@@ -13973,7 +13919,7 @@
           <p:nvPr/>
         </p:nvPicPr>
         <p:blipFill>
-          <a:blip r:embed="rId6"/>
+          <a:blip r:embed="rId5"/>
           <a:stretch>
             <a:fillRect/>
           </a:stretch>
@@ -14551,6 +14497,36 @@
           </a:fontRef>
         </p:style>
       </p:cxnSp>
+      <p:pic>
+        <p:nvPicPr>
+          <p:cNvPr id="8" name="Picture 7">
+            <a:extLst>
+              <a:ext uri="{FF2B5EF4-FFF2-40B4-BE49-F238E27FC236}">
+                <a16:creationId xmlns:a16="http://schemas.microsoft.com/office/drawing/2014/main" id="{9C8D2EBF-4F3B-A9BE-F3CF-8289AFB3A36A}"/>
+              </a:ext>
+            </a:extLst>
+          </p:cNvPr>
+          <p:cNvPicPr>
+            <a:picLocks noChangeAspect="1"/>
+          </p:cNvPicPr>
+          <p:nvPr/>
+        </p:nvPicPr>
+        <p:blipFill>
+          <a:blip r:embed="rId6"/>
+          <a:stretch>
+            <a:fillRect/>
+          </a:stretch>
+        </p:blipFill>
+        <p:spPr>
+          <a:xfrm>
+            <a:off x="1949107" y="3723734"/>
+            <a:ext cx="512558" cy="640697"/>
+          </a:xfrm>
+          <a:prstGeom prst="rect">
+            <a:avLst/>
+          </a:prstGeom>
+        </p:spPr>
+      </p:pic>
     </p:spTree>
     <p:extLst>
       <p:ext uri="{BB962C8B-B14F-4D97-AF65-F5344CB8AC3E}">
@@ -14729,7 +14705,7 @@
                                           </p:stCondLst>
                                         </p:cTn>
                                         <p:tgtEl>
-                                          <p:spTgt spid="10"/>
+                                          <p:spTgt spid="12"/>
                                         </p:tgtEl>
                                         <p:attrNameLst>
                                           <p:attrName>style.visibility</p:attrName>
@@ -14743,7 +14719,7 @@
                                       <p:cBhvr>
                                         <p:cTn id="18" dur="1000" fill="hold"/>
                                         <p:tgtEl>
-                                          <p:spTgt spid="10"/>
+                                          <p:spTgt spid="12"/>
                                         </p:tgtEl>
                                         <p:attrNameLst>
                                           <p:attrName>ppt_w</p:attrName>
@@ -14766,7 +14742,7 @@
                                       <p:cBhvr>
                                         <p:cTn id="19" dur="1000" fill="hold"/>
                                         <p:tgtEl>
-                                          <p:spTgt spid="10"/>
+                                          <p:spTgt spid="12"/>
                                         </p:tgtEl>
                                         <p:attrNameLst>
                                           <p:attrName>ppt_h</p:attrName>
@@ -14789,7 +14765,7 @@
                                       <p:cBhvr>
                                         <p:cTn id="20" dur="1000" fill="hold"/>
                                         <p:tgtEl>
-                                          <p:spTgt spid="10"/>
+                                          <p:spTgt spid="12"/>
                                         </p:tgtEl>
                                         <p:attrNameLst>
                                           <p:attrName>style.rotation</p:attrName>
@@ -14812,7 +14788,7 @@
                                       <p:cBhvr>
                                         <p:cTn id="21" dur="1000"/>
                                         <p:tgtEl>
-                                          <p:spTgt spid="10"/>
+                                          <p:spTgt spid="12"/>
                                         </p:tgtEl>
                                       </p:cBhvr>
                                     </p:animEffect>
@@ -14833,7 +14809,7 @@
                                           </p:stCondLst>
                                         </p:cTn>
                                         <p:tgtEl>
-                                          <p:spTgt spid="12"/>
+                                          <p:spTgt spid="14"/>
                                         </p:tgtEl>
                                         <p:attrNameLst>
                                           <p:attrName>style.visibility</p:attrName>
@@ -14847,7 +14823,7 @@
                                       <p:cBhvr>
                                         <p:cTn id="24" dur="1000" fill="hold"/>
                                         <p:tgtEl>
-                                          <p:spTgt spid="12"/>
+                                          <p:spTgt spid="14"/>
                                         </p:tgtEl>
                                         <p:attrNameLst>
                                           <p:attrName>ppt_w</p:attrName>
@@ -14870,7 +14846,7 @@
                                       <p:cBhvr>
                                         <p:cTn id="25" dur="1000" fill="hold"/>
                                         <p:tgtEl>
-                                          <p:spTgt spid="12"/>
+                                          <p:spTgt spid="14"/>
                                         </p:tgtEl>
                                         <p:attrNameLst>
                                           <p:attrName>ppt_h</p:attrName>
@@ -14893,7 +14869,7 @@
                                       <p:cBhvr>
                                         <p:cTn id="26" dur="1000" fill="hold"/>
                                         <p:tgtEl>
-                                          <p:spTgt spid="12"/>
+                                          <p:spTgt spid="14"/>
                                         </p:tgtEl>
                                         <p:attrNameLst>
                                           <p:attrName>style.rotation</p:attrName>
@@ -14916,7 +14892,7 @@
                                       <p:cBhvr>
                                         <p:cTn id="27" dur="1000"/>
                                         <p:tgtEl>
-                                          <p:spTgt spid="12"/>
+                                          <p:spTgt spid="14"/>
                                         </p:tgtEl>
                                       </p:cBhvr>
                                     </p:animEffect>
@@ -14937,7 +14913,7 @@
                                           </p:stCondLst>
                                         </p:cTn>
                                         <p:tgtEl>
-                                          <p:spTgt spid="14"/>
+                                          <p:spTgt spid="16"/>
                                         </p:tgtEl>
                                         <p:attrNameLst>
                                           <p:attrName>style.visibility</p:attrName>
@@ -14951,7 +14927,7 @@
                                       <p:cBhvr>
                                         <p:cTn id="30" dur="1000" fill="hold"/>
                                         <p:tgtEl>
-                                          <p:spTgt spid="14"/>
+                                          <p:spTgt spid="16"/>
                                         </p:tgtEl>
                                         <p:attrNameLst>
                                           <p:attrName>ppt_w</p:attrName>
@@ -14974,7 +14950,7 @@
                                       <p:cBhvr>
                                         <p:cTn id="31" dur="1000" fill="hold"/>
                                         <p:tgtEl>
-                                          <p:spTgt spid="14"/>
+                                          <p:spTgt spid="16"/>
                                         </p:tgtEl>
                                         <p:attrNameLst>
                                           <p:attrName>ppt_h</p:attrName>
@@ -14997,7 +14973,7 @@
                                       <p:cBhvr>
                                         <p:cTn id="32" dur="1000" fill="hold"/>
                                         <p:tgtEl>
-                                          <p:spTgt spid="14"/>
+                                          <p:spTgt spid="16"/>
                                         </p:tgtEl>
                                         <p:attrNameLst>
                                           <p:attrName>style.rotation</p:attrName>
@@ -15020,7 +14996,7 @@
                                       <p:cBhvr>
                                         <p:cTn id="33" dur="1000"/>
                                         <p:tgtEl>
-                                          <p:spTgt spid="14"/>
+                                          <p:spTgt spid="16"/>
                                         </p:tgtEl>
                                       </p:cBhvr>
                                     </p:animEffect>
@@ -15028,7 +15004,7 @@
                                 </p:cTn>
                               </p:par>
                               <p:par>
-                                <p:cTn id="34" presetID="31" presetClass="entr" presetSubtype="0" fill="hold" nodeType="withEffect">
+                                <p:cTn id="34" presetID="31" presetClass="entr" presetSubtype="0" fill="hold" grpId="0" nodeType="withEffect">
                                   <p:stCondLst>
                                     <p:cond delay="0"/>
                                   </p:stCondLst>
@@ -15041,7 +15017,7 @@
                                           </p:stCondLst>
                                         </p:cTn>
                                         <p:tgtEl>
-                                          <p:spTgt spid="16"/>
+                                          <p:spTgt spid="7"/>
                                         </p:tgtEl>
                                         <p:attrNameLst>
                                           <p:attrName>style.visibility</p:attrName>
@@ -15055,7 +15031,7 @@
                                       <p:cBhvr>
                                         <p:cTn id="36" dur="1000" fill="hold"/>
                                         <p:tgtEl>
-                                          <p:spTgt spid="16"/>
+                                          <p:spTgt spid="7"/>
                                         </p:tgtEl>
                                         <p:attrNameLst>
                                           <p:attrName>ppt_w</p:attrName>
@@ -15078,7 +15054,7 @@
                                       <p:cBhvr>
                                         <p:cTn id="37" dur="1000" fill="hold"/>
                                         <p:tgtEl>
-                                          <p:spTgt spid="16"/>
+                                          <p:spTgt spid="7"/>
                                         </p:tgtEl>
                                         <p:attrNameLst>
                                           <p:attrName>ppt_h</p:attrName>
@@ -15101,7 +15077,7 @@
                                       <p:cBhvr>
                                         <p:cTn id="38" dur="1000" fill="hold"/>
                                         <p:tgtEl>
-                                          <p:spTgt spid="16"/>
+                                          <p:spTgt spid="7"/>
                                         </p:tgtEl>
                                         <p:attrNameLst>
                                           <p:attrName>style.rotation</p:attrName>
@@ -15124,7 +15100,7 @@
                                       <p:cBhvr>
                                         <p:cTn id="39" dur="1000"/>
                                         <p:tgtEl>
-                                          <p:spTgt spid="16"/>
+                                          <p:spTgt spid="7"/>
                                         </p:tgtEl>
                                       </p:cBhvr>
                                     </p:animEffect>
@@ -15132,7 +15108,7 @@
                                 </p:cTn>
                               </p:par>
                               <p:par>
-                                <p:cTn id="40" presetID="31" presetClass="entr" presetSubtype="0" fill="hold" grpId="0" nodeType="withEffect">
+                                <p:cTn id="40" presetID="31" presetClass="entr" presetSubtype="0" fill="hold" nodeType="withEffect">
                                   <p:stCondLst>
                                     <p:cond delay="0"/>
                                   </p:stCondLst>
@@ -15145,7 +15121,7 @@
                                           </p:stCondLst>
                                         </p:cTn>
                                         <p:tgtEl>
-                                          <p:spTgt spid="7"/>
+                                          <p:spTgt spid="9"/>
                                         </p:tgtEl>
                                         <p:attrNameLst>
                                           <p:attrName>style.visibility</p:attrName>
@@ -15159,7 +15135,7 @@
                                       <p:cBhvr>
                                         <p:cTn id="42" dur="1000" fill="hold"/>
                                         <p:tgtEl>
-                                          <p:spTgt spid="7"/>
+                                          <p:spTgt spid="9"/>
                                         </p:tgtEl>
                                         <p:attrNameLst>
                                           <p:attrName>ppt_w</p:attrName>
@@ -15182,7 +15158,7 @@
                                       <p:cBhvr>
                                         <p:cTn id="43" dur="1000" fill="hold"/>
                                         <p:tgtEl>
-                                          <p:spTgt spid="7"/>
+                                          <p:spTgt spid="9"/>
                                         </p:tgtEl>
                                         <p:attrNameLst>
                                           <p:attrName>ppt_h</p:attrName>
@@ -15205,7 +15181,7 @@
                                       <p:cBhvr>
                                         <p:cTn id="44" dur="1000" fill="hold"/>
                                         <p:tgtEl>
-                                          <p:spTgt spid="7"/>
+                                          <p:spTgt spid="9"/>
                                         </p:tgtEl>
                                         <p:attrNameLst>
                                           <p:attrName>style.rotation</p:attrName>
@@ -15228,7 +15204,7 @@
                                       <p:cBhvr>
                                         <p:cTn id="45" dur="1000"/>
                                         <p:tgtEl>
-                                          <p:spTgt spid="7"/>
+                                          <p:spTgt spid="9"/>
                                         </p:tgtEl>
                                       </p:cBhvr>
                                     </p:animEffect>
@@ -15236,7 +15212,7 @@
                                 </p:cTn>
                               </p:par>
                               <p:par>
-                                <p:cTn id="46" presetID="31" presetClass="entr" presetSubtype="0" fill="hold" nodeType="withEffect">
+                                <p:cTn id="46" presetID="31" presetClass="entr" presetSubtype="0" fill="hold" grpId="0" nodeType="withEffect">
                                   <p:stCondLst>
                                     <p:cond delay="0"/>
                                   </p:stCondLst>
@@ -15249,7 +15225,7 @@
                                           </p:stCondLst>
                                         </p:cTn>
                                         <p:tgtEl>
-                                          <p:spTgt spid="9"/>
+                                          <p:spTgt spid="13"/>
                                         </p:tgtEl>
                                         <p:attrNameLst>
                                           <p:attrName>style.visibility</p:attrName>
@@ -15263,7 +15239,7 @@
                                       <p:cBhvr>
                                         <p:cTn id="48" dur="1000" fill="hold"/>
                                         <p:tgtEl>
-                                          <p:spTgt spid="9"/>
+                                          <p:spTgt spid="13"/>
                                         </p:tgtEl>
                                         <p:attrNameLst>
                                           <p:attrName>ppt_w</p:attrName>
@@ -15286,7 +15262,7 @@
                                       <p:cBhvr>
                                         <p:cTn id="49" dur="1000" fill="hold"/>
                                         <p:tgtEl>
-                                          <p:spTgt spid="9"/>
+                                          <p:spTgt spid="13"/>
                                         </p:tgtEl>
                                         <p:attrNameLst>
                                           <p:attrName>ppt_h</p:attrName>
@@ -15309,7 +15285,7 @@
                                       <p:cBhvr>
                                         <p:cTn id="50" dur="1000" fill="hold"/>
                                         <p:tgtEl>
-                                          <p:spTgt spid="9"/>
+                                          <p:spTgt spid="13"/>
                                         </p:tgtEl>
                                         <p:attrNameLst>
                                           <p:attrName>style.rotation</p:attrName>
@@ -15332,7 +15308,7 @@
                                       <p:cBhvr>
                                         <p:cTn id="51" dur="1000"/>
                                         <p:tgtEl>
-                                          <p:spTgt spid="9"/>
+                                          <p:spTgt spid="13"/>
                                         </p:tgtEl>
                                       </p:cBhvr>
                                     </p:animEffect>
@@ -15353,7 +15329,7 @@
                                           </p:stCondLst>
                                         </p:cTn>
                                         <p:tgtEl>
-                                          <p:spTgt spid="13"/>
+                                          <p:spTgt spid="18"/>
                                         </p:tgtEl>
                                         <p:attrNameLst>
                                           <p:attrName>style.visibility</p:attrName>
@@ -15367,7 +15343,7 @@
                                       <p:cBhvr>
                                         <p:cTn id="54" dur="1000" fill="hold"/>
                                         <p:tgtEl>
-                                          <p:spTgt spid="13"/>
+                                          <p:spTgt spid="18"/>
                                         </p:tgtEl>
                                         <p:attrNameLst>
                                           <p:attrName>ppt_w</p:attrName>
@@ -15390,7 +15366,7 @@
                                       <p:cBhvr>
                                         <p:cTn id="55" dur="1000" fill="hold"/>
                                         <p:tgtEl>
-                                          <p:spTgt spid="13"/>
+                                          <p:spTgt spid="18"/>
                                         </p:tgtEl>
                                         <p:attrNameLst>
                                           <p:attrName>ppt_h</p:attrName>
@@ -15413,7 +15389,7 @@
                                       <p:cBhvr>
                                         <p:cTn id="56" dur="1000" fill="hold"/>
                                         <p:tgtEl>
-                                          <p:spTgt spid="13"/>
+                                          <p:spTgt spid="18"/>
                                         </p:tgtEl>
                                         <p:attrNameLst>
                                           <p:attrName>style.rotation</p:attrName>
@@ -15436,7 +15412,7 @@
                                       <p:cBhvr>
                                         <p:cTn id="57" dur="1000"/>
                                         <p:tgtEl>
-                                          <p:spTgt spid="13"/>
+                                          <p:spTgt spid="18"/>
                                         </p:tgtEl>
                                       </p:cBhvr>
                                     </p:animEffect>
@@ -15457,7 +15433,7 @@
                                           </p:stCondLst>
                                         </p:cTn>
                                         <p:tgtEl>
-                                          <p:spTgt spid="18"/>
+                                          <p:spTgt spid="20"/>
                                         </p:tgtEl>
                                         <p:attrNameLst>
                                           <p:attrName>style.visibility</p:attrName>
@@ -15471,7 +15447,7 @@
                                       <p:cBhvr>
                                         <p:cTn id="60" dur="1000" fill="hold"/>
                                         <p:tgtEl>
-                                          <p:spTgt spid="18"/>
+                                          <p:spTgt spid="20"/>
                                         </p:tgtEl>
                                         <p:attrNameLst>
                                           <p:attrName>ppt_w</p:attrName>
@@ -15494,7 +15470,7 @@
                                       <p:cBhvr>
                                         <p:cTn id="61" dur="1000" fill="hold"/>
                                         <p:tgtEl>
-                                          <p:spTgt spid="18"/>
+                                          <p:spTgt spid="20"/>
                                         </p:tgtEl>
                                         <p:attrNameLst>
                                           <p:attrName>ppt_h</p:attrName>
@@ -15517,7 +15493,7 @@
                                       <p:cBhvr>
                                         <p:cTn id="62" dur="1000" fill="hold"/>
                                         <p:tgtEl>
-                                          <p:spTgt spid="18"/>
+                                          <p:spTgt spid="20"/>
                                         </p:tgtEl>
                                         <p:attrNameLst>
                                           <p:attrName>style.rotation</p:attrName>
@@ -15540,7 +15516,7 @@
                                       <p:cBhvr>
                                         <p:cTn id="63" dur="1000"/>
                                         <p:tgtEl>
-                                          <p:spTgt spid="18"/>
+                                          <p:spTgt spid="20"/>
                                         </p:tgtEl>
                                       </p:cBhvr>
                                     </p:animEffect>
@@ -15548,7 +15524,7 @@
                                 </p:cTn>
                               </p:par>
                               <p:par>
-                                <p:cTn id="64" presetID="31" presetClass="entr" presetSubtype="0" fill="hold" grpId="0" nodeType="withEffect">
+                                <p:cTn id="64" presetID="31" presetClass="entr" presetSubtype="0" fill="hold" nodeType="withEffect">
                                   <p:stCondLst>
                                     <p:cond delay="0"/>
                                   </p:stCondLst>
@@ -15561,7 +15537,7 @@
                                           </p:stCondLst>
                                         </p:cTn>
                                         <p:tgtEl>
-                                          <p:spTgt spid="20"/>
+                                          <p:spTgt spid="22"/>
                                         </p:tgtEl>
                                         <p:attrNameLst>
                                           <p:attrName>style.visibility</p:attrName>
@@ -15575,7 +15551,7 @@
                                       <p:cBhvr>
                                         <p:cTn id="66" dur="1000" fill="hold"/>
                                         <p:tgtEl>
-                                          <p:spTgt spid="20"/>
+                                          <p:spTgt spid="22"/>
                                         </p:tgtEl>
                                         <p:attrNameLst>
                                           <p:attrName>ppt_w</p:attrName>
@@ -15598,7 +15574,7 @@
                                       <p:cBhvr>
                                         <p:cTn id="67" dur="1000" fill="hold"/>
                                         <p:tgtEl>
-                                          <p:spTgt spid="20"/>
+                                          <p:spTgt spid="22"/>
                                         </p:tgtEl>
                                         <p:attrNameLst>
                                           <p:attrName>ppt_h</p:attrName>
@@ -15621,7 +15597,7 @@
                                       <p:cBhvr>
                                         <p:cTn id="68" dur="1000" fill="hold"/>
                                         <p:tgtEl>
-                                          <p:spTgt spid="20"/>
+                                          <p:spTgt spid="22"/>
                                         </p:tgtEl>
                                         <p:attrNameLst>
                                           <p:attrName>style.rotation</p:attrName>
@@ -15644,7 +15620,7 @@
                                       <p:cBhvr>
                                         <p:cTn id="69" dur="1000"/>
                                         <p:tgtEl>
-                                          <p:spTgt spid="20"/>
+                                          <p:spTgt spid="22"/>
                                         </p:tgtEl>
                                       </p:cBhvr>
                                     </p:animEffect>
@@ -15665,7 +15641,7 @@
                                           </p:stCondLst>
                                         </p:cTn>
                                         <p:tgtEl>
-                                          <p:spTgt spid="22"/>
+                                          <p:spTgt spid="29"/>
                                         </p:tgtEl>
                                         <p:attrNameLst>
                                           <p:attrName>style.visibility</p:attrName>
@@ -15679,7 +15655,7 @@
                                       <p:cBhvr>
                                         <p:cTn id="72" dur="1000" fill="hold"/>
                                         <p:tgtEl>
-                                          <p:spTgt spid="22"/>
+                                          <p:spTgt spid="29"/>
                                         </p:tgtEl>
                                         <p:attrNameLst>
                                           <p:attrName>ppt_w</p:attrName>
@@ -15702,7 +15678,7 @@
                                       <p:cBhvr>
                                         <p:cTn id="73" dur="1000" fill="hold"/>
                                         <p:tgtEl>
-                                          <p:spTgt spid="22"/>
+                                          <p:spTgt spid="29"/>
                                         </p:tgtEl>
                                         <p:attrNameLst>
                                           <p:attrName>ppt_h</p:attrName>
@@ -15725,7 +15701,7 @@
                                       <p:cBhvr>
                                         <p:cTn id="74" dur="1000" fill="hold"/>
                                         <p:tgtEl>
-                                          <p:spTgt spid="22"/>
+                                          <p:spTgt spid="29"/>
                                         </p:tgtEl>
                                         <p:attrNameLst>
                                           <p:attrName>style.rotation</p:attrName>
@@ -15748,7 +15724,7 @@
                                       <p:cBhvr>
                                         <p:cTn id="75" dur="1000"/>
                                         <p:tgtEl>
-                                          <p:spTgt spid="22"/>
+                                          <p:spTgt spid="29"/>
                                         </p:tgtEl>
                                       </p:cBhvr>
                                     </p:animEffect>
@@ -15769,7 +15745,7 @@
                                           </p:stCondLst>
                                         </p:cTn>
                                         <p:tgtEl>
-                                          <p:spTgt spid="29"/>
+                                          <p:spTgt spid="31"/>
                                         </p:tgtEl>
                                         <p:attrNameLst>
                                           <p:attrName>style.visibility</p:attrName>
@@ -15783,7 +15759,7 @@
                                       <p:cBhvr>
                                         <p:cTn id="78" dur="1000" fill="hold"/>
                                         <p:tgtEl>
-                                          <p:spTgt spid="29"/>
+                                          <p:spTgt spid="31"/>
                                         </p:tgtEl>
                                         <p:attrNameLst>
                                           <p:attrName>ppt_w</p:attrName>
@@ -15806,7 +15782,7 @@
                                       <p:cBhvr>
                                         <p:cTn id="79" dur="1000" fill="hold"/>
                                         <p:tgtEl>
-                                          <p:spTgt spid="29"/>
+                                          <p:spTgt spid="31"/>
                                         </p:tgtEl>
                                         <p:attrNameLst>
                                           <p:attrName>ppt_h</p:attrName>
@@ -15829,7 +15805,7 @@
                                       <p:cBhvr>
                                         <p:cTn id="80" dur="1000" fill="hold"/>
                                         <p:tgtEl>
-                                          <p:spTgt spid="29"/>
+                                          <p:spTgt spid="31"/>
                                         </p:tgtEl>
                                         <p:attrNameLst>
                                           <p:attrName>style.rotation</p:attrName>
@@ -15852,7 +15828,7 @@
                                       <p:cBhvr>
                                         <p:cTn id="81" dur="1000"/>
                                         <p:tgtEl>
-                                          <p:spTgt spid="29"/>
+                                          <p:spTgt spid="31"/>
                                         </p:tgtEl>
                                       </p:cBhvr>
                                     </p:animEffect>
@@ -15860,7 +15836,7 @@
                                 </p:cTn>
                               </p:par>
                               <p:par>
-                                <p:cTn id="82" presetID="31" presetClass="entr" presetSubtype="0" fill="hold" nodeType="withEffect">
+                                <p:cTn id="82" presetID="31" presetClass="entr" presetSubtype="0" fill="hold" grpId="0" nodeType="withEffect">
                                   <p:stCondLst>
                                     <p:cond delay="0"/>
                                   </p:stCondLst>
@@ -15873,7 +15849,7 @@
                                           </p:stCondLst>
                                         </p:cTn>
                                         <p:tgtEl>
-                                          <p:spTgt spid="31"/>
+                                          <p:spTgt spid="36"/>
                                         </p:tgtEl>
                                         <p:attrNameLst>
                                           <p:attrName>style.visibility</p:attrName>
@@ -15887,7 +15863,7 @@
                                       <p:cBhvr>
                                         <p:cTn id="84" dur="1000" fill="hold"/>
                                         <p:tgtEl>
-                                          <p:spTgt spid="31"/>
+                                          <p:spTgt spid="36"/>
                                         </p:tgtEl>
                                         <p:attrNameLst>
                                           <p:attrName>ppt_w</p:attrName>
@@ -15910,7 +15886,7 @@
                                       <p:cBhvr>
                                         <p:cTn id="85" dur="1000" fill="hold"/>
                                         <p:tgtEl>
-                                          <p:spTgt spid="31"/>
+                                          <p:spTgt spid="36"/>
                                         </p:tgtEl>
                                         <p:attrNameLst>
                                           <p:attrName>ppt_h</p:attrName>
@@ -15933,7 +15909,7 @@
                                       <p:cBhvr>
                                         <p:cTn id="86" dur="1000" fill="hold"/>
                                         <p:tgtEl>
-                                          <p:spTgt spid="31"/>
+                                          <p:spTgt spid="36"/>
                                         </p:tgtEl>
                                         <p:attrNameLst>
                                           <p:attrName>style.rotation</p:attrName>
@@ -15956,7 +15932,7 @@
                                       <p:cBhvr>
                                         <p:cTn id="87" dur="1000"/>
                                         <p:tgtEl>
-                                          <p:spTgt spid="31"/>
+                                          <p:spTgt spid="36"/>
                                         </p:tgtEl>
                                       </p:cBhvr>
                                     </p:animEffect>
@@ -15964,7 +15940,7 @@
                                 </p:cTn>
                               </p:par>
                               <p:par>
-                                <p:cTn id="88" presetID="31" presetClass="entr" presetSubtype="0" fill="hold" grpId="0" nodeType="withEffect">
+                                <p:cTn id="88" presetID="31" presetClass="entr" presetSubtype="0" fill="hold" nodeType="withEffect">
                                   <p:stCondLst>
                                     <p:cond delay="0"/>
                                   </p:stCondLst>
@@ -15977,7 +15953,7 @@
                                           </p:stCondLst>
                                         </p:cTn>
                                         <p:tgtEl>
-                                          <p:spTgt spid="36"/>
+                                          <p:spTgt spid="41"/>
                                         </p:tgtEl>
                                         <p:attrNameLst>
                                           <p:attrName>style.visibility</p:attrName>
@@ -15991,7 +15967,7 @@
                                       <p:cBhvr>
                                         <p:cTn id="90" dur="1000" fill="hold"/>
                                         <p:tgtEl>
-                                          <p:spTgt spid="36"/>
+                                          <p:spTgt spid="41"/>
                                         </p:tgtEl>
                                         <p:attrNameLst>
                                           <p:attrName>ppt_w</p:attrName>
@@ -16014,7 +15990,7 @@
                                       <p:cBhvr>
                                         <p:cTn id="91" dur="1000" fill="hold"/>
                                         <p:tgtEl>
-                                          <p:spTgt spid="36"/>
+                                          <p:spTgt spid="41"/>
                                         </p:tgtEl>
                                         <p:attrNameLst>
                                           <p:attrName>ppt_h</p:attrName>
@@ -16037,7 +16013,7 @@
                                       <p:cBhvr>
                                         <p:cTn id="92" dur="1000" fill="hold"/>
                                         <p:tgtEl>
-                                          <p:spTgt spid="36"/>
+                                          <p:spTgt spid="41"/>
                                         </p:tgtEl>
                                         <p:attrNameLst>
                                           <p:attrName>style.rotation</p:attrName>
@@ -16060,7 +16036,7 @@
                                       <p:cBhvr>
                                         <p:cTn id="93" dur="1000"/>
                                         <p:tgtEl>
-                                          <p:spTgt spid="36"/>
+                                          <p:spTgt spid="41"/>
                                         </p:tgtEl>
                                       </p:cBhvr>
                                     </p:animEffect>
@@ -16068,7 +16044,7 @@
                                 </p:cTn>
                               </p:par>
                               <p:par>
-                                <p:cTn id="94" presetID="31" presetClass="entr" presetSubtype="0" fill="hold" nodeType="withEffect">
+                                <p:cTn id="94" presetID="31" presetClass="entr" presetSubtype="0" fill="hold" grpId="0" nodeType="withEffect">
                                   <p:stCondLst>
                                     <p:cond delay="0"/>
                                   </p:stCondLst>
@@ -16081,7 +16057,7 @@
                                           </p:stCondLst>
                                         </p:cTn>
                                         <p:tgtEl>
-                                          <p:spTgt spid="41"/>
+                                          <p:spTgt spid="43"/>
                                         </p:tgtEl>
                                         <p:attrNameLst>
                                           <p:attrName>style.visibility</p:attrName>
@@ -16095,7 +16071,7 @@
                                       <p:cBhvr>
                                         <p:cTn id="96" dur="1000" fill="hold"/>
                                         <p:tgtEl>
-                                          <p:spTgt spid="41"/>
+                                          <p:spTgt spid="43"/>
                                         </p:tgtEl>
                                         <p:attrNameLst>
                                           <p:attrName>ppt_w</p:attrName>
@@ -16118,7 +16094,7 @@
                                       <p:cBhvr>
                                         <p:cTn id="97" dur="1000" fill="hold"/>
                                         <p:tgtEl>
-                                          <p:spTgt spid="41"/>
+                                          <p:spTgt spid="43"/>
                                         </p:tgtEl>
                                         <p:attrNameLst>
                                           <p:attrName>ppt_h</p:attrName>
@@ -16141,7 +16117,7 @@
                                       <p:cBhvr>
                                         <p:cTn id="98" dur="1000" fill="hold"/>
                                         <p:tgtEl>
-                                          <p:spTgt spid="41"/>
+                                          <p:spTgt spid="43"/>
                                         </p:tgtEl>
                                         <p:attrNameLst>
                                           <p:attrName>style.rotation</p:attrName>
@@ -16164,7 +16140,7 @@
                                       <p:cBhvr>
                                         <p:cTn id="99" dur="1000"/>
                                         <p:tgtEl>
-                                          <p:spTgt spid="41"/>
+                                          <p:spTgt spid="43"/>
                                         </p:tgtEl>
                                       </p:cBhvr>
                                     </p:animEffect>
@@ -16172,7 +16148,7 @@
                                 </p:cTn>
                               </p:par>
                               <p:par>
-                                <p:cTn id="100" presetID="31" presetClass="entr" presetSubtype="0" fill="hold" grpId="0" nodeType="withEffect">
+                                <p:cTn id="100" presetID="31" presetClass="entr" presetSubtype="0" fill="hold" nodeType="withEffect">
                                   <p:stCondLst>
                                     <p:cond delay="0"/>
                                   </p:stCondLst>
@@ -16185,7 +16161,7 @@
                                           </p:stCondLst>
                                         </p:cTn>
                                         <p:tgtEl>
-                                          <p:spTgt spid="43"/>
+                                          <p:spTgt spid="49"/>
                                         </p:tgtEl>
                                         <p:attrNameLst>
                                           <p:attrName>style.visibility</p:attrName>
@@ -16199,7 +16175,7 @@
                                       <p:cBhvr>
                                         <p:cTn id="102" dur="1000" fill="hold"/>
                                         <p:tgtEl>
-                                          <p:spTgt spid="43"/>
+                                          <p:spTgt spid="49"/>
                                         </p:tgtEl>
                                         <p:attrNameLst>
                                           <p:attrName>ppt_w</p:attrName>
@@ -16222,7 +16198,7 @@
                                       <p:cBhvr>
                                         <p:cTn id="103" dur="1000" fill="hold"/>
                                         <p:tgtEl>
-                                          <p:spTgt spid="43"/>
+                                          <p:spTgt spid="49"/>
                                         </p:tgtEl>
                                         <p:attrNameLst>
                                           <p:attrName>ppt_h</p:attrName>
@@ -16245,7 +16221,7 @@
                                       <p:cBhvr>
                                         <p:cTn id="104" dur="1000" fill="hold"/>
                                         <p:tgtEl>
-                                          <p:spTgt spid="43"/>
+                                          <p:spTgt spid="49"/>
                                         </p:tgtEl>
                                         <p:attrNameLst>
                                           <p:attrName>style.rotation</p:attrName>
@@ -16268,7 +16244,7 @@
                                       <p:cBhvr>
                                         <p:cTn id="105" dur="1000"/>
                                         <p:tgtEl>
-                                          <p:spTgt spid="43"/>
+                                          <p:spTgt spid="49"/>
                                         </p:tgtEl>
                                       </p:cBhvr>
                                     </p:animEffect>
@@ -16289,7 +16265,7 @@
                                           </p:stCondLst>
                                         </p:cTn>
                                         <p:tgtEl>
-                                          <p:spTgt spid="49"/>
+                                          <p:spTgt spid="50"/>
                                         </p:tgtEl>
                                         <p:attrNameLst>
                                           <p:attrName>style.visibility</p:attrName>
@@ -16303,7 +16279,7 @@
                                       <p:cBhvr>
                                         <p:cTn id="108" dur="1000" fill="hold"/>
                                         <p:tgtEl>
-                                          <p:spTgt spid="49"/>
+                                          <p:spTgt spid="50"/>
                                         </p:tgtEl>
                                         <p:attrNameLst>
                                           <p:attrName>ppt_w</p:attrName>
@@ -16326,7 +16302,7 @@
                                       <p:cBhvr>
                                         <p:cTn id="109" dur="1000" fill="hold"/>
                                         <p:tgtEl>
-                                          <p:spTgt spid="49"/>
+                                          <p:spTgt spid="50"/>
                                         </p:tgtEl>
                                         <p:attrNameLst>
                                           <p:attrName>ppt_h</p:attrName>
@@ -16349,7 +16325,7 @@
                                       <p:cBhvr>
                                         <p:cTn id="110" dur="1000" fill="hold"/>
                                         <p:tgtEl>
-                                          <p:spTgt spid="49"/>
+                                          <p:spTgt spid="50"/>
                                         </p:tgtEl>
                                         <p:attrNameLst>
                                           <p:attrName>style.rotation</p:attrName>
@@ -16372,7 +16348,7 @@
                                       <p:cBhvr>
                                         <p:cTn id="111" dur="1000"/>
                                         <p:tgtEl>
-                                          <p:spTgt spid="49"/>
+                                          <p:spTgt spid="50"/>
                                         </p:tgtEl>
                                       </p:cBhvr>
                                     </p:animEffect>
@@ -16393,7 +16369,7 @@
                                           </p:stCondLst>
                                         </p:cTn>
                                         <p:tgtEl>
-                                          <p:spTgt spid="50"/>
+                                          <p:spTgt spid="51"/>
                                         </p:tgtEl>
                                         <p:attrNameLst>
                                           <p:attrName>style.visibility</p:attrName>
@@ -16407,7 +16383,7 @@
                                       <p:cBhvr>
                                         <p:cTn id="114" dur="1000" fill="hold"/>
                                         <p:tgtEl>
-                                          <p:spTgt spid="50"/>
+                                          <p:spTgt spid="51"/>
                                         </p:tgtEl>
                                         <p:attrNameLst>
                                           <p:attrName>ppt_w</p:attrName>
@@ -16430,7 +16406,7 @@
                                       <p:cBhvr>
                                         <p:cTn id="115" dur="1000" fill="hold"/>
                                         <p:tgtEl>
-                                          <p:spTgt spid="50"/>
+                                          <p:spTgt spid="51"/>
                                         </p:tgtEl>
                                         <p:attrNameLst>
                                           <p:attrName>ppt_h</p:attrName>
@@ -16453,7 +16429,7 @@
                                       <p:cBhvr>
                                         <p:cTn id="116" dur="1000" fill="hold"/>
                                         <p:tgtEl>
-                                          <p:spTgt spid="50"/>
+                                          <p:spTgt spid="51"/>
                                         </p:tgtEl>
                                         <p:attrNameLst>
                                           <p:attrName>style.rotation</p:attrName>
@@ -16475,110 +16451,6 @@
                                     <p:animEffect transition="in" filter="fade">
                                       <p:cBhvr>
                                         <p:cTn id="117" dur="1000"/>
-                                        <p:tgtEl>
-                                          <p:spTgt spid="50"/>
-                                        </p:tgtEl>
-                                      </p:cBhvr>
-                                    </p:animEffect>
-                                  </p:childTnLst>
-                                </p:cTn>
-                              </p:par>
-                              <p:par>
-                                <p:cTn id="118" presetID="31" presetClass="entr" presetSubtype="0" fill="hold" nodeType="withEffect">
-                                  <p:stCondLst>
-                                    <p:cond delay="0"/>
-                                  </p:stCondLst>
-                                  <p:childTnLst>
-                                    <p:set>
-                                      <p:cBhvr>
-                                        <p:cTn id="119" dur="1" fill="hold">
-                                          <p:stCondLst>
-                                            <p:cond delay="0"/>
-                                          </p:stCondLst>
-                                        </p:cTn>
-                                        <p:tgtEl>
-                                          <p:spTgt spid="51"/>
-                                        </p:tgtEl>
-                                        <p:attrNameLst>
-                                          <p:attrName>style.visibility</p:attrName>
-                                        </p:attrNameLst>
-                                      </p:cBhvr>
-                                      <p:to>
-                                        <p:strVal val="visible"/>
-                                      </p:to>
-                                    </p:set>
-                                    <p:anim calcmode="lin" valueType="num">
-                                      <p:cBhvr>
-                                        <p:cTn id="120" dur="1000" fill="hold"/>
-                                        <p:tgtEl>
-                                          <p:spTgt spid="51"/>
-                                        </p:tgtEl>
-                                        <p:attrNameLst>
-                                          <p:attrName>ppt_w</p:attrName>
-                                        </p:attrNameLst>
-                                      </p:cBhvr>
-                                      <p:tavLst>
-                                        <p:tav tm="0">
-                                          <p:val>
-                                            <p:fltVal val="0"/>
-                                          </p:val>
-                                        </p:tav>
-                                        <p:tav tm="100000">
-                                          <p:val>
-                                            <p:strVal val="#ppt_w"/>
-                                          </p:val>
-                                        </p:tav>
-                                      </p:tavLst>
-                                    </p:anim>
-                                    <p:anim calcmode="lin" valueType="num">
-                                      <p:cBhvr>
-                                        <p:cTn id="121" dur="1000" fill="hold"/>
-                                        <p:tgtEl>
-                                          <p:spTgt spid="51"/>
-                                        </p:tgtEl>
-                                        <p:attrNameLst>
-                                          <p:attrName>ppt_h</p:attrName>
-                                        </p:attrNameLst>
-                                      </p:cBhvr>
-                                      <p:tavLst>
-                                        <p:tav tm="0">
-                                          <p:val>
-                                            <p:fltVal val="0"/>
-                                          </p:val>
-                                        </p:tav>
-                                        <p:tav tm="100000">
-                                          <p:val>
-                                            <p:strVal val="#ppt_h"/>
-                                          </p:val>
-                                        </p:tav>
-                                      </p:tavLst>
-                                    </p:anim>
-                                    <p:anim calcmode="lin" valueType="num">
-                                      <p:cBhvr>
-                                        <p:cTn id="122" dur="1000" fill="hold"/>
-                                        <p:tgtEl>
-                                          <p:spTgt spid="51"/>
-                                        </p:tgtEl>
-                                        <p:attrNameLst>
-                                          <p:attrName>style.rotation</p:attrName>
-                                        </p:attrNameLst>
-                                      </p:cBhvr>
-                                      <p:tavLst>
-                                        <p:tav tm="0">
-                                          <p:val>
-                                            <p:fltVal val="90"/>
-                                          </p:val>
-                                        </p:tav>
-                                        <p:tav tm="100000">
-                                          <p:val>
-                                            <p:fltVal val="0"/>
-                                          </p:val>
-                                        </p:tav>
-                                      </p:tavLst>
-                                    </p:anim>
-                                    <p:animEffect transition="in" filter="fade">
-                                      <p:cBhvr>
-                                        <p:cTn id="123" dur="1000"/>
                                         <p:tgtEl>
                                           <p:spTgt spid="51"/>
                                         </p:tgtEl>
@@ -21880,7 +21752,7 @@
         </p:blipFill>
         <p:spPr>
           <a:xfrm>
-            <a:off x="4326194" y="1469387"/>
+            <a:off x="1021019" y="1265968"/>
             <a:ext cx="2900516" cy="5026832"/>
           </a:xfrm>
           <a:prstGeom prst="rect">
@@ -21888,6 +21760,974 @@
           </a:prstGeom>
         </p:spPr>
       </p:pic>
+      <p:sp>
+        <p:nvSpPr>
+          <p:cNvPr id="2" name="Título 1">
+            <a:extLst>
+              <a:ext uri="{FF2B5EF4-FFF2-40B4-BE49-F238E27FC236}">
+                <a16:creationId xmlns:a16="http://schemas.microsoft.com/office/drawing/2014/main" id="{33F8F5D4-0FB4-926F-8985-E3B61D2EE848}"/>
+              </a:ext>
+            </a:extLst>
+          </p:cNvPr>
+          <p:cNvSpPr txBox="1">
+            <a:spLocks/>
+          </p:cNvSpPr>
+          <p:nvPr/>
+        </p:nvSpPr>
+        <p:spPr>
+          <a:xfrm>
+            <a:off x="6495196" y="565199"/>
+            <a:ext cx="9144000" cy="590931"/>
+          </a:xfrm>
+          <a:prstGeom prst="rect">
+            <a:avLst/>
+          </a:prstGeom>
+          <a:noFill/>
+        </p:spPr>
+        <p:txBody>
+          <a:bodyPr vert="horz" wrap="square" lIns="91440" tIns="45720" rIns="91440" bIns="45720" rtlCol="0" anchor="b">
+            <a:spAutoFit/>
+          </a:bodyPr>
+          <a:lstStyle>
+            <a:lvl1pPr algn="ctr" defTabSz="914400" rtl="0" eaLnBrk="1" latinLnBrk="0" hangingPunct="1">
+              <a:lnSpc>
+                <a:spcPct val="90000"/>
+              </a:lnSpc>
+              <a:spcBef>
+                <a:spcPct val="0"/>
+              </a:spcBef>
+              <a:buNone/>
+              <a:defRPr sz="6000" b="1" i="0" kern="1200" cap="all" baseline="0">
+                <a:solidFill>
+                  <a:schemeClr val="bg1"/>
+                </a:solidFill>
+                <a:latin typeface="+mj-lt"/>
+                <a:ea typeface="+mj-ea"/>
+                <a:cs typeface="+mj-cs"/>
+              </a:defRPr>
+            </a:lvl1pPr>
+          </a:lstStyle>
+          <a:p>
+            <a:pPr algn="l"/>
+            <a:r>
+              <a:rPr lang="en-US" sz="3600">
+                <a:latin typeface="+mn-lt"/>
+                <a:ea typeface="+mn-ea"/>
+                <a:cs typeface="+mn-cs"/>
+              </a:rPr>
+              <a:t>problem</a:t>
+            </a:r>
+            <a:endParaRPr lang="es-ES" sz="3600" dirty="0">
+              <a:latin typeface="+mn-lt"/>
+              <a:ea typeface="+mn-ea"/>
+              <a:cs typeface="+mn-cs"/>
+            </a:endParaRPr>
+          </a:p>
+        </p:txBody>
+      </p:sp>
+      <p:sp>
+        <p:nvSpPr>
+          <p:cNvPr id="3" name="CuadroTexto 5">
+            <a:extLst>
+              <a:ext uri="{FF2B5EF4-FFF2-40B4-BE49-F238E27FC236}">
+                <a16:creationId xmlns:a16="http://schemas.microsoft.com/office/drawing/2014/main" id="{BD88CB9C-CAC5-34BE-B503-A403CFA77038}"/>
+              </a:ext>
+            </a:extLst>
+          </p:cNvPr>
+          <p:cNvSpPr txBox="1"/>
+          <p:nvPr/>
+        </p:nvSpPr>
+        <p:spPr>
+          <a:xfrm>
+            <a:off x="5221639" y="1442916"/>
+            <a:ext cx="4659780" cy="1259640"/>
+          </a:xfrm>
+          <a:prstGeom prst="rect">
+            <a:avLst/>
+          </a:prstGeom>
+          <a:noFill/>
+        </p:spPr>
+        <p:txBody>
+          <a:bodyPr wrap="square">
+            <a:spAutoFit/>
+          </a:bodyPr>
+          <a:lstStyle/>
+          <a:p>
+            <a:pPr algn="just">
+              <a:lnSpc>
+                <a:spcPct val="107000"/>
+              </a:lnSpc>
+              <a:spcAft>
+                <a:spcPts val="800"/>
+              </a:spcAft>
+            </a:pPr>
+            <a:r>
+              <a:rPr lang="es-ES" sz="1800" dirty="0" err="1">
+                <a:solidFill>
+                  <a:schemeClr val="bg1"/>
+                </a:solidFill>
+                <a:effectLst/>
+                <a:ea typeface="Calibri" panose="020F0502020204030204" pitchFamily="34" charset="0"/>
+                <a:cs typeface="Times New Roman" panose="02020603050405020304" pitchFamily="18" charset="0"/>
+              </a:rPr>
+              <a:t>When</a:t>
+            </a:r>
+            <a:r>
+              <a:rPr lang="es-ES" sz="1800" dirty="0">
+                <a:solidFill>
+                  <a:schemeClr val="bg1"/>
+                </a:solidFill>
+                <a:effectLst/>
+                <a:ea typeface="Calibri" panose="020F0502020204030204" pitchFamily="34" charset="0"/>
+                <a:cs typeface="Times New Roman" panose="02020603050405020304" pitchFamily="18" charset="0"/>
+              </a:rPr>
+              <a:t> I </a:t>
+            </a:r>
+            <a:r>
+              <a:rPr lang="es-ES" sz="1800" dirty="0" err="1">
+                <a:solidFill>
+                  <a:schemeClr val="bg1"/>
+                </a:solidFill>
+                <a:effectLst/>
+                <a:ea typeface="Calibri" panose="020F0502020204030204" pitchFamily="34" charset="0"/>
+                <a:cs typeface="Times New Roman" panose="02020603050405020304" pitchFamily="18" charset="0"/>
+              </a:rPr>
+              <a:t>executed</a:t>
+            </a:r>
+            <a:r>
+              <a:rPr lang="es-ES" sz="1800" dirty="0">
+                <a:solidFill>
+                  <a:schemeClr val="bg1"/>
+                </a:solidFill>
+                <a:effectLst/>
+                <a:ea typeface="Calibri" panose="020F0502020204030204" pitchFamily="34" charset="0"/>
+                <a:cs typeface="Times New Roman" panose="02020603050405020304" pitchFamily="18" charset="0"/>
+              </a:rPr>
+              <a:t> </a:t>
+            </a:r>
+            <a:r>
+              <a:rPr lang="es-ES" sz="1800" dirty="0" err="1">
+                <a:solidFill>
+                  <a:schemeClr val="bg1"/>
+                </a:solidFill>
+                <a:effectLst/>
+                <a:ea typeface="Calibri" panose="020F0502020204030204" pitchFamily="34" charset="0"/>
+                <a:cs typeface="Times New Roman" panose="02020603050405020304" pitchFamily="18" charset="0"/>
+              </a:rPr>
+              <a:t>the</a:t>
+            </a:r>
+            <a:r>
+              <a:rPr lang="es-ES" sz="1800" dirty="0">
+                <a:solidFill>
+                  <a:schemeClr val="bg1"/>
+                </a:solidFill>
+                <a:effectLst/>
+                <a:ea typeface="Calibri" panose="020F0502020204030204" pitchFamily="34" charset="0"/>
+                <a:cs typeface="Times New Roman" panose="02020603050405020304" pitchFamily="18" charset="0"/>
+              </a:rPr>
+              <a:t> </a:t>
+            </a:r>
+            <a:r>
+              <a:rPr lang="es-ES" sz="1800" dirty="0" err="1">
+                <a:solidFill>
+                  <a:schemeClr val="bg1"/>
+                </a:solidFill>
+                <a:effectLst/>
+                <a:ea typeface="Calibri" panose="020F0502020204030204" pitchFamily="34" charset="0"/>
+                <a:cs typeface="Times New Roman" panose="02020603050405020304" pitchFamily="18" charset="0"/>
+              </a:rPr>
+              <a:t>main</a:t>
+            </a:r>
+            <a:r>
+              <a:rPr lang="es-ES" sz="1800" dirty="0">
+                <a:solidFill>
+                  <a:schemeClr val="bg1"/>
+                </a:solidFill>
+                <a:effectLst/>
+                <a:ea typeface="Calibri" panose="020F0502020204030204" pitchFamily="34" charset="0"/>
+                <a:cs typeface="Times New Roman" panose="02020603050405020304" pitchFamily="18" charset="0"/>
+              </a:rPr>
+              <a:t> in </a:t>
+            </a:r>
+            <a:r>
+              <a:rPr lang="es-ES" sz="1800" dirty="0" err="1">
+                <a:solidFill>
+                  <a:schemeClr val="bg1"/>
+                </a:solidFill>
+                <a:effectLst/>
+                <a:ea typeface="Calibri" panose="020F0502020204030204" pitchFamily="34" charset="0"/>
+                <a:cs typeface="Times New Roman" panose="02020603050405020304" pitchFamily="18" charset="0"/>
+              </a:rPr>
+              <a:t>the</a:t>
+            </a:r>
+            <a:r>
+              <a:rPr lang="es-ES" sz="1800" dirty="0">
+                <a:solidFill>
+                  <a:schemeClr val="bg1"/>
+                </a:solidFill>
+                <a:effectLst/>
+                <a:ea typeface="Calibri" panose="020F0502020204030204" pitchFamily="34" charset="0"/>
+                <a:cs typeface="Times New Roman" panose="02020603050405020304" pitchFamily="18" charset="0"/>
+              </a:rPr>
+              <a:t> Terminal, </a:t>
+            </a:r>
+            <a:r>
+              <a:rPr lang="es-ES" sz="1800" dirty="0" err="1">
+                <a:solidFill>
+                  <a:schemeClr val="bg1"/>
+                </a:solidFill>
+                <a:effectLst/>
+                <a:ea typeface="Calibri" panose="020F0502020204030204" pitchFamily="34" charset="0"/>
+                <a:cs typeface="Times New Roman" panose="02020603050405020304" pitchFamily="18" charset="0"/>
+              </a:rPr>
+              <a:t>it</a:t>
+            </a:r>
+            <a:r>
+              <a:rPr lang="es-ES" sz="1800" dirty="0">
+                <a:solidFill>
+                  <a:schemeClr val="bg1"/>
+                </a:solidFill>
+                <a:effectLst/>
+                <a:ea typeface="Calibri" panose="020F0502020204030204" pitchFamily="34" charset="0"/>
+                <a:cs typeface="Times New Roman" panose="02020603050405020304" pitchFamily="18" charset="0"/>
+              </a:rPr>
+              <a:t> </a:t>
+            </a:r>
+            <a:r>
+              <a:rPr lang="es-ES" sz="1800" dirty="0" err="1">
+                <a:solidFill>
+                  <a:schemeClr val="bg1"/>
+                </a:solidFill>
+                <a:effectLst/>
+                <a:ea typeface="Calibri" panose="020F0502020204030204" pitchFamily="34" charset="0"/>
+                <a:cs typeface="Times New Roman" panose="02020603050405020304" pitchFamily="18" charset="0"/>
+              </a:rPr>
+              <a:t>never</a:t>
+            </a:r>
+            <a:r>
+              <a:rPr lang="es-ES" sz="1800" dirty="0">
+                <a:solidFill>
+                  <a:schemeClr val="bg1"/>
+                </a:solidFill>
+                <a:effectLst/>
+                <a:ea typeface="Calibri" panose="020F0502020204030204" pitchFamily="34" charset="0"/>
+                <a:cs typeface="Times New Roman" panose="02020603050405020304" pitchFamily="18" charset="0"/>
+              </a:rPr>
+              <a:t> </a:t>
+            </a:r>
+            <a:r>
+              <a:rPr lang="es-ES" sz="1800" dirty="0" err="1">
+                <a:solidFill>
+                  <a:schemeClr val="bg1"/>
+                </a:solidFill>
+                <a:effectLst/>
+                <a:ea typeface="Calibri" panose="020F0502020204030204" pitchFamily="34" charset="0"/>
+                <a:cs typeface="Times New Roman" panose="02020603050405020304" pitchFamily="18" charset="0"/>
+              </a:rPr>
+              <a:t>finished</a:t>
+            </a:r>
+            <a:r>
+              <a:rPr lang="es-ES" sz="1800" dirty="0">
+                <a:solidFill>
+                  <a:schemeClr val="bg1"/>
+                </a:solidFill>
+                <a:effectLst/>
+                <a:ea typeface="Calibri" panose="020F0502020204030204" pitchFamily="34" charset="0"/>
+                <a:cs typeface="Times New Roman" panose="02020603050405020304" pitchFamily="18" charset="0"/>
+              </a:rPr>
+              <a:t> </a:t>
+            </a:r>
+            <a:r>
+              <a:rPr lang="es-ES" sz="1800" dirty="0" err="1">
+                <a:solidFill>
+                  <a:schemeClr val="bg1"/>
+                </a:solidFill>
+                <a:effectLst/>
+                <a:ea typeface="Calibri" panose="020F0502020204030204" pitchFamily="34" charset="0"/>
+                <a:cs typeface="Times New Roman" panose="02020603050405020304" pitchFamily="18" charset="0"/>
+              </a:rPr>
+              <a:t>the</a:t>
+            </a:r>
+            <a:r>
+              <a:rPr lang="es-ES" sz="1800" dirty="0">
+                <a:solidFill>
+                  <a:schemeClr val="bg1"/>
+                </a:solidFill>
+                <a:effectLst/>
+                <a:ea typeface="Calibri" panose="020F0502020204030204" pitchFamily="34" charset="0"/>
+                <a:cs typeface="Times New Roman" panose="02020603050405020304" pitchFamily="18" charset="0"/>
+              </a:rPr>
+              <a:t> </a:t>
+            </a:r>
+            <a:r>
+              <a:rPr lang="es-ES" sz="1800" dirty="0" err="1">
+                <a:solidFill>
+                  <a:schemeClr val="bg1"/>
+                </a:solidFill>
+                <a:effectLst/>
+                <a:ea typeface="Calibri" panose="020F0502020204030204" pitchFamily="34" charset="0"/>
+                <a:cs typeface="Times New Roman" panose="02020603050405020304" pitchFamily="18" charset="0"/>
+              </a:rPr>
+              <a:t>distances</a:t>
+            </a:r>
+            <a:r>
+              <a:rPr lang="es-ES" sz="1800" dirty="0">
+                <a:solidFill>
+                  <a:schemeClr val="bg1"/>
+                </a:solidFill>
+                <a:effectLst/>
+                <a:ea typeface="Calibri" panose="020F0502020204030204" pitchFamily="34" charset="0"/>
+                <a:cs typeface="Times New Roman" panose="02020603050405020304" pitchFamily="18" charset="0"/>
+              </a:rPr>
+              <a:t> </a:t>
+            </a:r>
+            <a:r>
+              <a:rPr lang="es-ES" sz="1800" dirty="0" err="1">
+                <a:solidFill>
+                  <a:schemeClr val="bg1"/>
+                </a:solidFill>
+                <a:effectLst/>
+                <a:ea typeface="Calibri" panose="020F0502020204030204" pitchFamily="34" charset="0"/>
+                <a:cs typeface="Times New Roman" panose="02020603050405020304" pitchFamily="18" charset="0"/>
+              </a:rPr>
+              <a:t>calculations</a:t>
+            </a:r>
+            <a:r>
+              <a:rPr lang="es-ES" sz="1800" dirty="0">
+                <a:solidFill>
+                  <a:schemeClr val="bg1"/>
+                </a:solidFill>
+                <a:effectLst/>
+                <a:ea typeface="Calibri" panose="020F0502020204030204" pitchFamily="34" charset="0"/>
+                <a:cs typeface="Times New Roman" panose="02020603050405020304" pitchFamily="18" charset="0"/>
+              </a:rPr>
+              <a:t>. I </a:t>
+            </a:r>
+            <a:r>
+              <a:rPr lang="es-ES" sz="1800" dirty="0" err="1">
+                <a:solidFill>
+                  <a:schemeClr val="bg1"/>
+                </a:solidFill>
+                <a:effectLst/>
+                <a:ea typeface="Calibri" panose="020F0502020204030204" pitchFamily="34" charset="0"/>
+                <a:cs typeface="Times New Roman" panose="02020603050405020304" pitchFamily="18" charset="0"/>
+              </a:rPr>
+              <a:t>had</a:t>
+            </a:r>
+            <a:r>
+              <a:rPr lang="es-ES" sz="1800" dirty="0">
+                <a:solidFill>
+                  <a:schemeClr val="bg1"/>
+                </a:solidFill>
+                <a:effectLst/>
+                <a:ea typeface="Calibri" panose="020F0502020204030204" pitchFamily="34" charset="0"/>
+                <a:cs typeface="Times New Roman" panose="02020603050405020304" pitchFamily="18" charset="0"/>
+              </a:rPr>
+              <a:t> </a:t>
+            </a:r>
+            <a:r>
+              <a:rPr lang="es-ES" sz="1800" dirty="0" err="1">
+                <a:solidFill>
+                  <a:schemeClr val="bg1"/>
+                </a:solidFill>
+                <a:effectLst/>
+                <a:ea typeface="Calibri" panose="020F0502020204030204" pitchFamily="34" charset="0"/>
+                <a:cs typeface="Times New Roman" panose="02020603050405020304" pitchFamily="18" charset="0"/>
+              </a:rPr>
+              <a:t>to</a:t>
+            </a:r>
+            <a:r>
+              <a:rPr lang="es-ES" sz="1800" dirty="0">
+                <a:solidFill>
+                  <a:schemeClr val="bg1"/>
+                </a:solidFill>
+                <a:effectLst/>
+                <a:ea typeface="Calibri" panose="020F0502020204030204" pitchFamily="34" charset="0"/>
+                <a:cs typeface="Times New Roman" panose="02020603050405020304" pitchFamily="18" charset="0"/>
+              </a:rPr>
+              <a:t> </a:t>
+            </a:r>
+            <a:r>
+              <a:rPr lang="es-ES" sz="1800" dirty="0" err="1">
+                <a:solidFill>
+                  <a:schemeClr val="bg1"/>
+                </a:solidFill>
+                <a:effectLst/>
+                <a:ea typeface="Calibri" panose="020F0502020204030204" pitchFamily="34" charset="0"/>
+                <a:cs typeface="Times New Roman" panose="02020603050405020304" pitchFamily="18" charset="0"/>
+              </a:rPr>
+              <a:t>change</a:t>
+            </a:r>
+            <a:r>
+              <a:rPr lang="es-ES" sz="1800" dirty="0">
+                <a:solidFill>
+                  <a:schemeClr val="bg1"/>
+                </a:solidFill>
+                <a:effectLst/>
+                <a:ea typeface="Calibri" panose="020F0502020204030204" pitchFamily="34" charset="0"/>
+                <a:cs typeface="Times New Roman" panose="02020603050405020304" pitchFamily="18" charset="0"/>
+              </a:rPr>
+              <a:t> </a:t>
+            </a:r>
+            <a:r>
+              <a:rPr lang="es-ES" sz="1800" dirty="0" err="1">
+                <a:solidFill>
+                  <a:schemeClr val="bg1"/>
+                </a:solidFill>
+                <a:effectLst/>
+                <a:ea typeface="Calibri" panose="020F0502020204030204" pitchFamily="34" charset="0"/>
+                <a:cs typeface="Times New Roman" panose="02020603050405020304" pitchFamily="18" charset="0"/>
+              </a:rPr>
+              <a:t>environment</a:t>
+            </a:r>
+            <a:r>
+              <a:rPr lang="es-ES" sz="1800" dirty="0">
+                <a:solidFill>
+                  <a:schemeClr val="bg1"/>
+                </a:solidFill>
+                <a:effectLst/>
+                <a:ea typeface="Calibri" panose="020F0502020204030204" pitchFamily="34" charset="0"/>
+                <a:cs typeface="Times New Roman" panose="02020603050405020304" pitchFamily="18" charset="0"/>
+              </a:rPr>
+              <a:t> </a:t>
+            </a:r>
+            <a:r>
+              <a:rPr lang="es-ES" sz="1800" dirty="0" err="1">
+                <a:solidFill>
+                  <a:schemeClr val="bg1"/>
+                </a:solidFill>
+                <a:effectLst/>
+                <a:ea typeface="Calibri" panose="020F0502020204030204" pitchFamily="34" charset="0"/>
+                <a:cs typeface="Times New Roman" panose="02020603050405020304" pitchFamily="18" charset="0"/>
+              </a:rPr>
+              <a:t>for</a:t>
+            </a:r>
+            <a:r>
+              <a:rPr lang="es-ES" sz="1800" dirty="0">
+                <a:solidFill>
+                  <a:schemeClr val="bg1"/>
+                </a:solidFill>
+                <a:effectLst/>
+                <a:ea typeface="Calibri" panose="020F0502020204030204" pitchFamily="34" charset="0"/>
+                <a:cs typeface="Times New Roman" panose="02020603050405020304" pitchFamily="18" charset="0"/>
+              </a:rPr>
+              <a:t> </a:t>
+            </a:r>
+            <a:r>
+              <a:rPr lang="es-ES" sz="1800" dirty="0" err="1">
+                <a:solidFill>
+                  <a:schemeClr val="bg1"/>
+                </a:solidFill>
+                <a:effectLst/>
+                <a:ea typeface="Calibri" panose="020F0502020204030204" pitchFamily="34" charset="0"/>
+                <a:cs typeface="Times New Roman" panose="02020603050405020304" pitchFamily="18" charset="0"/>
+              </a:rPr>
+              <a:t>it</a:t>
+            </a:r>
+            <a:r>
+              <a:rPr lang="es-ES" sz="1800" dirty="0">
+                <a:solidFill>
+                  <a:schemeClr val="bg1"/>
+                </a:solidFill>
+                <a:effectLst/>
+                <a:ea typeface="Calibri" panose="020F0502020204030204" pitchFamily="34" charset="0"/>
+                <a:cs typeface="Times New Roman" panose="02020603050405020304" pitchFamily="18" charset="0"/>
+              </a:rPr>
+              <a:t> </a:t>
+            </a:r>
+            <a:r>
+              <a:rPr lang="es-ES" sz="1800" dirty="0" err="1">
+                <a:solidFill>
+                  <a:schemeClr val="bg1"/>
+                </a:solidFill>
+                <a:effectLst/>
+                <a:ea typeface="Calibri" panose="020F0502020204030204" pitchFamily="34" charset="0"/>
+                <a:cs typeface="Times New Roman" panose="02020603050405020304" pitchFamily="18" charset="0"/>
+              </a:rPr>
+              <a:t>to</a:t>
+            </a:r>
+            <a:r>
+              <a:rPr lang="es-ES" sz="1800" dirty="0">
+                <a:solidFill>
+                  <a:schemeClr val="bg1"/>
+                </a:solidFill>
+                <a:effectLst/>
+                <a:ea typeface="Calibri" panose="020F0502020204030204" pitchFamily="34" charset="0"/>
+                <a:cs typeface="Times New Roman" panose="02020603050405020304" pitchFamily="18" charset="0"/>
+              </a:rPr>
+              <a:t> </a:t>
+            </a:r>
+            <a:r>
+              <a:rPr lang="es-ES" sz="1800" dirty="0" err="1">
+                <a:solidFill>
+                  <a:schemeClr val="bg1"/>
+                </a:solidFill>
+                <a:effectLst/>
+                <a:ea typeface="Calibri" panose="020F0502020204030204" pitchFamily="34" charset="0"/>
+                <a:cs typeface="Times New Roman" panose="02020603050405020304" pitchFamily="18" charset="0"/>
+              </a:rPr>
+              <a:t>work</a:t>
+            </a:r>
+            <a:r>
+              <a:rPr lang="es-ES" sz="1800" dirty="0">
+                <a:solidFill>
+                  <a:schemeClr val="bg1"/>
+                </a:solidFill>
+                <a:effectLst/>
+                <a:ea typeface="Calibri" panose="020F0502020204030204" pitchFamily="34" charset="0"/>
+                <a:cs typeface="Times New Roman" panose="02020603050405020304" pitchFamily="18" charset="0"/>
+              </a:rPr>
+              <a:t>.</a:t>
+            </a:r>
+          </a:p>
+        </p:txBody>
+      </p:sp>
+      <p:sp>
+        <p:nvSpPr>
+          <p:cNvPr id="6" name="CuadroTexto 5">
+            <a:extLst>
+              <a:ext uri="{FF2B5EF4-FFF2-40B4-BE49-F238E27FC236}">
+                <a16:creationId xmlns:a16="http://schemas.microsoft.com/office/drawing/2014/main" id="{17A28572-0FAE-BDE2-EB6D-C613D71C9E1F}"/>
+              </a:ext>
+            </a:extLst>
+          </p:cNvPr>
+          <p:cNvSpPr txBox="1"/>
+          <p:nvPr/>
+        </p:nvSpPr>
+        <p:spPr>
+          <a:xfrm>
+            <a:off x="5221639" y="2947361"/>
+            <a:ext cx="4659780" cy="963277"/>
+          </a:xfrm>
+          <a:prstGeom prst="rect">
+            <a:avLst/>
+          </a:prstGeom>
+          <a:noFill/>
+        </p:spPr>
+        <p:txBody>
+          <a:bodyPr wrap="square">
+            <a:spAutoFit/>
+          </a:bodyPr>
+          <a:lstStyle/>
+          <a:p>
+            <a:pPr algn="just">
+              <a:lnSpc>
+                <a:spcPct val="107000"/>
+              </a:lnSpc>
+              <a:spcAft>
+                <a:spcPts val="800"/>
+              </a:spcAft>
+            </a:pPr>
+            <a:r>
+              <a:rPr lang="es-ES" sz="1800" dirty="0">
+                <a:solidFill>
+                  <a:schemeClr val="bg1"/>
+                </a:solidFill>
+                <a:effectLst/>
+                <a:ea typeface="Calibri" panose="020F0502020204030204" pitchFamily="34" charset="0"/>
+                <a:cs typeface="Times New Roman" panose="02020603050405020304" pitchFamily="18" charset="0"/>
+              </a:rPr>
+              <a:t>I </a:t>
+            </a:r>
+            <a:r>
+              <a:rPr lang="es-ES" sz="1800" dirty="0" err="1">
+                <a:solidFill>
+                  <a:schemeClr val="bg1"/>
+                </a:solidFill>
+                <a:effectLst/>
+                <a:ea typeface="Calibri" panose="020F0502020204030204" pitchFamily="34" charset="0"/>
+                <a:cs typeface="Times New Roman" panose="02020603050405020304" pitchFamily="18" charset="0"/>
+              </a:rPr>
+              <a:t>also</a:t>
+            </a:r>
+            <a:r>
+              <a:rPr lang="es-ES" sz="1800" dirty="0">
+                <a:solidFill>
+                  <a:schemeClr val="bg1"/>
+                </a:solidFill>
+                <a:effectLst/>
+                <a:ea typeface="Calibri" panose="020F0502020204030204" pitchFamily="34" charset="0"/>
+                <a:cs typeface="Times New Roman" panose="02020603050405020304" pitchFamily="18" charset="0"/>
+              </a:rPr>
+              <a:t> </a:t>
+            </a:r>
+            <a:r>
+              <a:rPr lang="es-ES" sz="1800" dirty="0" err="1">
+                <a:solidFill>
+                  <a:schemeClr val="bg1"/>
+                </a:solidFill>
+                <a:effectLst/>
+                <a:ea typeface="Calibri" panose="020F0502020204030204" pitchFamily="34" charset="0"/>
+                <a:cs typeface="Times New Roman" panose="02020603050405020304" pitchFamily="18" charset="0"/>
+              </a:rPr>
+              <a:t>had</a:t>
+            </a:r>
+            <a:r>
+              <a:rPr lang="es-ES" sz="1800" dirty="0">
+                <a:solidFill>
+                  <a:schemeClr val="bg1"/>
+                </a:solidFill>
+                <a:effectLst/>
+                <a:ea typeface="Calibri" panose="020F0502020204030204" pitchFamily="34" charset="0"/>
+                <a:cs typeface="Times New Roman" panose="02020603050405020304" pitchFamily="18" charset="0"/>
+              </a:rPr>
+              <a:t> </a:t>
+            </a:r>
+            <a:r>
+              <a:rPr lang="es-ES" sz="1800" dirty="0" err="1">
+                <a:solidFill>
+                  <a:schemeClr val="bg1"/>
+                </a:solidFill>
+                <a:effectLst/>
+                <a:ea typeface="Calibri" panose="020F0502020204030204" pitchFamily="34" charset="0"/>
+                <a:cs typeface="Times New Roman" panose="02020603050405020304" pitchFamily="18" charset="0"/>
+              </a:rPr>
+              <a:t>some</a:t>
+            </a:r>
+            <a:r>
+              <a:rPr lang="es-ES" sz="1800" dirty="0">
+                <a:solidFill>
+                  <a:schemeClr val="bg1"/>
+                </a:solidFill>
+                <a:effectLst/>
+                <a:ea typeface="Calibri" panose="020F0502020204030204" pitchFamily="34" charset="0"/>
+                <a:cs typeface="Times New Roman" panose="02020603050405020304" pitchFamily="18" charset="0"/>
+              </a:rPr>
+              <a:t> </a:t>
+            </a:r>
+            <a:r>
+              <a:rPr lang="es-ES" sz="1800" dirty="0" err="1">
+                <a:solidFill>
+                  <a:schemeClr val="bg1"/>
+                </a:solidFill>
+                <a:effectLst/>
+                <a:ea typeface="Calibri" panose="020F0502020204030204" pitchFamily="34" charset="0"/>
+                <a:cs typeface="Times New Roman" panose="02020603050405020304" pitchFamily="18" charset="0"/>
+              </a:rPr>
+              <a:t>trouble</a:t>
+            </a:r>
+            <a:r>
+              <a:rPr lang="es-ES" sz="1800" dirty="0">
+                <a:solidFill>
+                  <a:schemeClr val="bg1"/>
+                </a:solidFill>
+                <a:effectLst/>
+                <a:ea typeface="Calibri" panose="020F0502020204030204" pitchFamily="34" charset="0"/>
+                <a:cs typeface="Times New Roman" panose="02020603050405020304" pitchFamily="18" charset="0"/>
+              </a:rPr>
+              <a:t> </a:t>
+            </a:r>
+            <a:r>
+              <a:rPr lang="es-ES" sz="1800" dirty="0" err="1">
+                <a:solidFill>
+                  <a:schemeClr val="bg1"/>
+                </a:solidFill>
+                <a:effectLst/>
+                <a:ea typeface="Calibri" panose="020F0502020204030204" pitchFamily="34" charset="0"/>
+                <a:cs typeface="Times New Roman" panose="02020603050405020304" pitchFamily="18" charset="0"/>
+              </a:rPr>
+              <a:t>getting</a:t>
+            </a:r>
+            <a:r>
+              <a:rPr lang="es-ES" sz="1800" dirty="0">
+                <a:solidFill>
+                  <a:schemeClr val="bg1"/>
+                </a:solidFill>
+                <a:effectLst/>
+                <a:ea typeface="Calibri" panose="020F0502020204030204" pitchFamily="34" charset="0"/>
+                <a:cs typeface="Times New Roman" panose="02020603050405020304" pitchFamily="18" charset="0"/>
+              </a:rPr>
+              <a:t> </a:t>
+            </a:r>
+            <a:r>
+              <a:rPr lang="es-ES" sz="1800" dirty="0" err="1">
+                <a:solidFill>
+                  <a:schemeClr val="bg1"/>
+                </a:solidFill>
+                <a:effectLst/>
+                <a:ea typeface="Calibri" panose="020F0502020204030204" pitchFamily="34" charset="0"/>
+                <a:cs typeface="Times New Roman" panose="02020603050405020304" pitchFamily="18" charset="0"/>
+              </a:rPr>
+              <a:t>the</a:t>
+            </a:r>
+            <a:r>
+              <a:rPr lang="es-ES" sz="1800" dirty="0">
+                <a:solidFill>
+                  <a:schemeClr val="bg1"/>
+                </a:solidFill>
+                <a:effectLst/>
+                <a:ea typeface="Calibri" panose="020F0502020204030204" pitchFamily="34" charset="0"/>
+                <a:cs typeface="Times New Roman" panose="02020603050405020304" pitchFamily="18" charset="0"/>
+              </a:rPr>
+              <a:t> arparse </a:t>
+            </a:r>
+            <a:r>
+              <a:rPr lang="es-ES" sz="1800" dirty="0" err="1">
+                <a:solidFill>
+                  <a:schemeClr val="bg1"/>
+                </a:solidFill>
+                <a:effectLst/>
+                <a:ea typeface="Calibri" panose="020F0502020204030204" pitchFamily="34" charset="0"/>
+                <a:cs typeface="Times New Roman" panose="02020603050405020304" pitchFamily="18" charset="0"/>
+              </a:rPr>
+              <a:t>to</a:t>
+            </a:r>
+            <a:r>
+              <a:rPr lang="es-ES" sz="1800" dirty="0">
+                <a:solidFill>
+                  <a:schemeClr val="bg1"/>
+                </a:solidFill>
+                <a:effectLst/>
+                <a:ea typeface="Calibri" panose="020F0502020204030204" pitchFamily="34" charset="0"/>
+                <a:cs typeface="Times New Roman" panose="02020603050405020304" pitchFamily="18" charset="0"/>
+              </a:rPr>
+              <a:t> </a:t>
+            </a:r>
+            <a:r>
+              <a:rPr lang="es-ES" sz="1800" dirty="0" err="1">
+                <a:solidFill>
+                  <a:schemeClr val="bg1"/>
+                </a:solidFill>
+                <a:effectLst/>
+                <a:ea typeface="Calibri" panose="020F0502020204030204" pitchFamily="34" charset="0"/>
+                <a:cs typeface="Times New Roman" panose="02020603050405020304" pitchFamily="18" charset="0"/>
+              </a:rPr>
+              <a:t>work</a:t>
+            </a:r>
+            <a:r>
+              <a:rPr lang="es-ES" sz="1800" dirty="0">
+                <a:solidFill>
+                  <a:schemeClr val="bg1"/>
+                </a:solidFill>
+                <a:effectLst/>
+                <a:ea typeface="Calibri" panose="020F0502020204030204" pitchFamily="34" charset="0"/>
+                <a:cs typeface="Times New Roman" panose="02020603050405020304" pitchFamily="18" charset="0"/>
+              </a:rPr>
+              <a:t> </a:t>
+            </a:r>
+            <a:r>
+              <a:rPr lang="es-ES" sz="1800" dirty="0" err="1">
+                <a:solidFill>
+                  <a:schemeClr val="bg1"/>
+                </a:solidFill>
+                <a:effectLst/>
+                <a:ea typeface="Calibri" panose="020F0502020204030204" pitchFamily="34" charset="0"/>
+                <a:cs typeface="Times New Roman" panose="02020603050405020304" pitchFamily="18" charset="0"/>
+              </a:rPr>
+              <a:t>properly</a:t>
+            </a:r>
+            <a:r>
+              <a:rPr lang="es-ES" sz="1800" dirty="0">
+                <a:solidFill>
+                  <a:schemeClr val="bg1"/>
+                </a:solidFill>
+                <a:effectLst/>
+                <a:ea typeface="Calibri" panose="020F0502020204030204" pitchFamily="34" charset="0"/>
+                <a:cs typeface="Times New Roman" panose="02020603050405020304" pitchFamily="18" charset="0"/>
+              </a:rPr>
+              <a:t> </a:t>
+            </a:r>
+            <a:r>
+              <a:rPr lang="es-ES" sz="1800" dirty="0" err="1">
+                <a:solidFill>
+                  <a:schemeClr val="bg1"/>
+                </a:solidFill>
+                <a:effectLst/>
+                <a:ea typeface="Calibri" panose="020F0502020204030204" pitchFamily="34" charset="0"/>
+                <a:cs typeface="Times New Roman" panose="02020603050405020304" pitchFamily="18" charset="0"/>
+              </a:rPr>
+              <a:t>until</a:t>
+            </a:r>
+            <a:r>
+              <a:rPr lang="es-ES" sz="1800" dirty="0">
+                <a:solidFill>
+                  <a:schemeClr val="bg1"/>
+                </a:solidFill>
+                <a:effectLst/>
+                <a:ea typeface="Calibri" panose="020F0502020204030204" pitchFamily="34" charset="0"/>
+                <a:cs typeface="Times New Roman" panose="02020603050405020304" pitchFamily="18" charset="0"/>
+              </a:rPr>
+              <a:t> I </a:t>
+            </a:r>
+            <a:r>
+              <a:rPr lang="es-ES" sz="1800" dirty="0" err="1">
+                <a:solidFill>
+                  <a:schemeClr val="bg1"/>
+                </a:solidFill>
+                <a:effectLst/>
+                <a:ea typeface="Calibri" panose="020F0502020204030204" pitchFamily="34" charset="0"/>
+                <a:cs typeface="Times New Roman" panose="02020603050405020304" pitchFamily="18" charset="0"/>
+              </a:rPr>
+              <a:t>finally</a:t>
+            </a:r>
+            <a:r>
+              <a:rPr lang="es-ES" sz="1800" dirty="0">
+                <a:solidFill>
+                  <a:schemeClr val="bg1"/>
+                </a:solidFill>
+                <a:effectLst/>
+                <a:ea typeface="Calibri" panose="020F0502020204030204" pitchFamily="34" charset="0"/>
+                <a:cs typeface="Times New Roman" panose="02020603050405020304" pitchFamily="18" charset="0"/>
+              </a:rPr>
+              <a:t> </a:t>
+            </a:r>
+            <a:r>
+              <a:rPr lang="es-ES" sz="1800" dirty="0" err="1">
+                <a:solidFill>
+                  <a:schemeClr val="bg1"/>
+                </a:solidFill>
+                <a:effectLst/>
+                <a:ea typeface="Calibri" panose="020F0502020204030204" pitchFamily="34" charset="0"/>
+                <a:cs typeface="Times New Roman" panose="02020603050405020304" pitchFamily="18" charset="0"/>
+              </a:rPr>
+              <a:t>made</a:t>
+            </a:r>
+            <a:r>
+              <a:rPr lang="es-ES" sz="1800" dirty="0">
+                <a:solidFill>
+                  <a:schemeClr val="bg1"/>
+                </a:solidFill>
+                <a:effectLst/>
+                <a:ea typeface="Calibri" panose="020F0502020204030204" pitchFamily="34" charset="0"/>
+                <a:cs typeface="Times New Roman" panose="02020603050405020304" pitchFamily="18" charset="0"/>
+              </a:rPr>
+              <a:t> </a:t>
+            </a:r>
+            <a:r>
+              <a:rPr lang="es-ES" sz="1800" dirty="0" err="1">
+                <a:solidFill>
+                  <a:schemeClr val="bg1"/>
+                </a:solidFill>
+                <a:effectLst/>
+                <a:ea typeface="Calibri" panose="020F0502020204030204" pitchFamily="34" charset="0"/>
+                <a:cs typeface="Times New Roman" panose="02020603050405020304" pitchFamily="18" charset="0"/>
+              </a:rPr>
+              <a:t>it</a:t>
+            </a:r>
+            <a:r>
+              <a:rPr lang="es-ES" sz="1800" dirty="0">
+                <a:solidFill>
+                  <a:schemeClr val="bg1"/>
+                </a:solidFill>
+                <a:effectLst/>
+                <a:ea typeface="Calibri" panose="020F0502020204030204" pitchFamily="34" charset="0"/>
+                <a:cs typeface="Times New Roman" panose="02020603050405020304" pitchFamily="18" charset="0"/>
+              </a:rPr>
+              <a:t> </a:t>
+            </a:r>
+            <a:r>
+              <a:rPr lang="es-ES" sz="1800" dirty="0" err="1">
+                <a:solidFill>
+                  <a:schemeClr val="bg1"/>
+                </a:solidFill>
+                <a:effectLst/>
+                <a:ea typeface="Calibri" panose="020F0502020204030204" pitchFamily="34" charset="0"/>
+                <a:cs typeface="Times New Roman" panose="02020603050405020304" pitchFamily="18" charset="0"/>
+              </a:rPr>
+              <a:t>work</a:t>
+            </a:r>
+            <a:r>
+              <a:rPr lang="es-ES" sz="1800" dirty="0">
+                <a:solidFill>
+                  <a:schemeClr val="bg1"/>
+                </a:solidFill>
+                <a:effectLst/>
+                <a:ea typeface="Calibri" panose="020F0502020204030204" pitchFamily="34" charset="0"/>
+                <a:cs typeface="Times New Roman" panose="02020603050405020304" pitchFamily="18" charset="0"/>
+              </a:rPr>
+              <a:t> after </a:t>
+            </a:r>
+            <a:r>
+              <a:rPr lang="es-ES" sz="1800" dirty="0" err="1">
+                <a:solidFill>
+                  <a:schemeClr val="bg1"/>
+                </a:solidFill>
+                <a:effectLst/>
+                <a:ea typeface="Calibri" panose="020F0502020204030204" pitchFamily="34" charset="0"/>
+                <a:cs typeface="Times New Roman" panose="02020603050405020304" pitchFamily="18" charset="0"/>
+              </a:rPr>
+              <a:t>long</a:t>
+            </a:r>
+            <a:r>
+              <a:rPr lang="es-ES" sz="1800" dirty="0">
+                <a:solidFill>
+                  <a:schemeClr val="bg1"/>
+                </a:solidFill>
+                <a:effectLst/>
+                <a:ea typeface="Calibri" panose="020F0502020204030204" pitchFamily="34" charset="0"/>
+                <a:cs typeface="Times New Roman" panose="02020603050405020304" pitchFamily="18" charset="0"/>
+              </a:rPr>
+              <a:t> </a:t>
+            </a:r>
+            <a:r>
+              <a:rPr lang="es-ES" sz="1800" dirty="0" err="1">
+                <a:solidFill>
+                  <a:schemeClr val="bg1"/>
+                </a:solidFill>
+                <a:effectLst/>
+                <a:ea typeface="Calibri" panose="020F0502020204030204" pitchFamily="34" charset="0"/>
+                <a:cs typeface="Times New Roman" panose="02020603050405020304" pitchFamily="18" charset="0"/>
+              </a:rPr>
+              <a:t>hours</a:t>
+            </a:r>
+            <a:r>
+              <a:rPr lang="es-ES" sz="1800" dirty="0">
+                <a:solidFill>
+                  <a:schemeClr val="bg1"/>
+                </a:solidFill>
+                <a:effectLst/>
+                <a:ea typeface="Calibri" panose="020F0502020204030204" pitchFamily="34" charset="0"/>
+                <a:cs typeface="Times New Roman" panose="02020603050405020304" pitchFamily="18" charset="0"/>
+              </a:rPr>
+              <a:t> </a:t>
+            </a:r>
+            <a:r>
+              <a:rPr lang="es-ES" sz="1800" dirty="0" err="1">
+                <a:solidFill>
+                  <a:schemeClr val="bg1"/>
+                </a:solidFill>
+                <a:effectLst/>
+                <a:ea typeface="Calibri" panose="020F0502020204030204" pitchFamily="34" charset="0"/>
+                <a:cs typeface="Times New Roman" panose="02020603050405020304" pitchFamily="18" charset="0"/>
+              </a:rPr>
+              <a:t>of</a:t>
+            </a:r>
+            <a:r>
+              <a:rPr lang="es-ES" sz="1800" dirty="0">
+                <a:solidFill>
+                  <a:schemeClr val="bg1"/>
+                </a:solidFill>
+                <a:effectLst/>
+                <a:ea typeface="Calibri" panose="020F0502020204030204" pitchFamily="34" charset="0"/>
+                <a:cs typeface="Times New Roman" panose="02020603050405020304" pitchFamily="18" charset="0"/>
+              </a:rPr>
+              <a:t> </a:t>
+            </a:r>
+            <a:r>
+              <a:rPr lang="es-ES" sz="1800" dirty="0" err="1">
+                <a:solidFill>
+                  <a:schemeClr val="bg1"/>
+                </a:solidFill>
+                <a:effectLst/>
+                <a:ea typeface="Calibri" panose="020F0502020204030204" pitchFamily="34" charset="0"/>
+                <a:cs typeface="Times New Roman" panose="02020603050405020304" pitchFamily="18" charset="0"/>
+              </a:rPr>
+              <a:t>trying</a:t>
+            </a:r>
+            <a:r>
+              <a:rPr lang="es-ES" sz="1800" dirty="0">
+                <a:solidFill>
+                  <a:schemeClr val="bg1"/>
+                </a:solidFill>
+                <a:effectLst/>
+                <a:ea typeface="Calibri" panose="020F0502020204030204" pitchFamily="34" charset="0"/>
+                <a:cs typeface="Times New Roman" panose="02020603050405020304" pitchFamily="18" charset="0"/>
+              </a:rPr>
+              <a:t>.</a:t>
+            </a:r>
+          </a:p>
+        </p:txBody>
+      </p:sp>
     </p:spTree>
     <p:extLst>
       <p:ext uri="{BB962C8B-B14F-4D97-AF65-F5344CB8AC3E}">
@@ -22001,6 +22841,129 @@
                                   </p:childTnLst>
                                 </p:cTn>
                               </p:par>
+                              <p:par>
+                                <p:cTn id="12" presetID="14" presetClass="entr" presetSubtype="10" fill="hold" grpId="0" nodeType="withEffect">
+                                  <p:stCondLst>
+                                    <p:cond delay="0"/>
+                                  </p:stCondLst>
+                                  <p:childTnLst>
+                                    <p:set>
+                                      <p:cBhvr>
+                                        <p:cTn id="13" dur="1" fill="hold">
+                                          <p:stCondLst>
+                                            <p:cond delay="0"/>
+                                          </p:stCondLst>
+                                        </p:cTn>
+                                        <p:tgtEl>
+                                          <p:spTgt spid="2"/>
+                                        </p:tgtEl>
+                                        <p:attrNameLst>
+                                          <p:attrName>style.visibility</p:attrName>
+                                        </p:attrNameLst>
+                                      </p:cBhvr>
+                                      <p:to>
+                                        <p:strVal val="visible"/>
+                                      </p:to>
+                                    </p:set>
+                                    <p:animEffect transition="in" filter="randombar(horizontal)">
+                                      <p:cBhvr>
+                                        <p:cTn id="14" dur="500"/>
+                                        <p:tgtEl>
+                                          <p:spTgt spid="2"/>
+                                        </p:tgtEl>
+                                      </p:cBhvr>
+                                    </p:animEffect>
+                                  </p:childTnLst>
+                                </p:cTn>
+                              </p:par>
+                            </p:childTnLst>
+                          </p:cTn>
+                        </p:par>
+                        <p:par>
+                          <p:cTn id="15" fill="hold">
+                            <p:stCondLst>
+                              <p:cond delay="500"/>
+                            </p:stCondLst>
+                            <p:childTnLst>
+                              <p:par>
+                                <p:cTn id="16" presetID="14" presetClass="entr" presetSubtype="10" fill="hold" grpId="0" nodeType="afterEffect">
+                                  <p:stCondLst>
+                                    <p:cond delay="0"/>
+                                  </p:stCondLst>
+                                  <p:childTnLst>
+                                    <p:set>
+                                      <p:cBhvr>
+                                        <p:cTn id="17" dur="1" fill="hold">
+                                          <p:stCondLst>
+                                            <p:cond delay="0"/>
+                                          </p:stCondLst>
+                                        </p:cTn>
+                                        <p:tgtEl>
+                                          <p:spTgt spid="3"/>
+                                        </p:tgtEl>
+                                        <p:attrNameLst>
+                                          <p:attrName>style.visibility</p:attrName>
+                                        </p:attrNameLst>
+                                      </p:cBhvr>
+                                      <p:to>
+                                        <p:strVal val="visible"/>
+                                      </p:to>
+                                    </p:set>
+                                    <p:animEffect transition="in" filter="randombar(horizontal)">
+                                      <p:cBhvr>
+                                        <p:cTn id="18" dur="500"/>
+                                        <p:tgtEl>
+                                          <p:spTgt spid="3"/>
+                                        </p:tgtEl>
+                                      </p:cBhvr>
+                                    </p:animEffect>
+                                  </p:childTnLst>
+                                </p:cTn>
+                              </p:par>
+                            </p:childTnLst>
+                          </p:cTn>
+                        </p:par>
+                        <p:par>
+                          <p:cTn id="19" fill="hold">
+                            <p:stCondLst>
+                              <p:cond delay="1000"/>
+                            </p:stCondLst>
+                            <p:childTnLst>
+                              <p:par>
+                                <p:cTn id="20" presetID="14" presetClass="entr" presetSubtype="10" fill="hold" grpId="0" nodeType="afterEffect">
+                                  <p:stCondLst>
+                                    <p:cond delay="0"/>
+                                  </p:stCondLst>
+                                  <p:childTnLst>
+                                    <p:set>
+                                      <p:cBhvr>
+                                        <p:cTn id="21" dur="1" fill="hold">
+                                          <p:stCondLst>
+                                            <p:cond delay="0"/>
+                                          </p:stCondLst>
+                                        </p:cTn>
+                                        <p:tgtEl>
+                                          <p:spTgt spid="6"/>
+                                        </p:tgtEl>
+                                        <p:attrNameLst>
+                                          <p:attrName>style.visibility</p:attrName>
+                                        </p:attrNameLst>
+                                      </p:cBhvr>
+                                      <p:to>
+                                        <p:strVal val="visible"/>
+                                      </p:to>
+                                    </p:set>
+                                    <p:animEffect transition="in" filter="randombar(horizontal)">
+                                      <p:cBhvr>
+                                        <p:cTn id="22" dur="500"/>
+                                        <p:tgtEl>
+                                          <p:spTgt spid="6"/>
+                                        </p:tgtEl>
+                                      </p:cBhvr>
+                                    </p:animEffect>
+                                  </p:childTnLst>
+                                </p:cTn>
+                              </p:par>
                             </p:childTnLst>
                           </p:cTn>
                         </p:par>
@@ -22030,6 +22993,9 @@
     </p:tnLst>
     <p:bldLst>
       <p:bldP spid="4" grpId="0"/>
+      <p:bldP spid="2" grpId="0"/>
+      <p:bldP spid="3" grpId="0"/>
+      <p:bldP spid="6" grpId="0"/>
     </p:bldLst>
   </p:timing>
 </p:sld>
@@ -22827,6 +23793,15 @@
 </file>
 
 <file path=customXml/item1.xml><?xml version="1.0" encoding="utf-8"?>
+<?mso-contentType ?>
+<FormTemplates xmlns="http://schemas.microsoft.com/sharepoint/v3/contenttype/forms">
+  <Display>DocumentLibraryForm</Display>
+  <Edit>DocumentLibraryForm</Edit>
+  <New>DocumentLibraryForm</New>
+</FormTemplates>
+</file>
+
+<file path=customXml/item2.xml><?xml version="1.0" encoding="utf-8"?>
 <ct:contentTypeSchema xmlns:ct="http://schemas.microsoft.com/office/2006/metadata/contentType" xmlns:ma="http://schemas.microsoft.com/office/2006/metadata/properties/metaAttributes" ct:_="" ma:_="" ma:contentTypeName="Document" ma:contentTypeID="0x01010079F111ED35F8CC479449609E8A0923A6" ma:contentTypeVersion="12" ma:contentTypeDescription="Create a new document." ma:contentTypeScope="" ma:versionID="426e97fa315356fffbdcd9876fe988c2">
   <xsd:schema xmlns:xsd="http://www.w3.org/2001/XMLSchema" xmlns:xs="http://www.w3.org/2001/XMLSchema" xmlns:p="http://schemas.microsoft.com/office/2006/metadata/properties" xmlns:ns2="71af3243-3dd4-4a8d-8c0d-dd76da1f02a5" xmlns:ns3="16c05727-aa75-4e4a-9b5f-8a80a1165891" targetNamespace="http://schemas.microsoft.com/office/2006/metadata/properties" ma:root="true" ma:fieldsID="14b8f0def80e6d70ce3def20c90759ae" ns2:_="" ns3:_="">
     <xsd:import namespace="71af3243-3dd4-4a8d-8c0d-dd76da1f02a5"/>
@@ -23047,15 +24022,6 @@
 </ct:contentTypeSchema>
 </file>
 
-<file path=customXml/item2.xml><?xml version="1.0" encoding="utf-8"?>
-<?mso-contentType ?>
-<FormTemplates xmlns="http://schemas.microsoft.com/sharepoint/v3/contenttype/forms">
-  <Display>DocumentLibraryForm</Display>
-  <Edit>DocumentLibraryForm</Edit>
-  <New>DocumentLibraryForm</New>
-</FormTemplates>
-</file>
-
 <file path=customXml/item3.xml><?xml version="1.0" encoding="utf-8"?>
 <p:properties xmlns:p="http://schemas.microsoft.com/office/2006/metadata/properties" xmlns:xsi="http://www.w3.org/2001/XMLSchema-instance" xmlns:pc="http://schemas.microsoft.com/office/infopath/2007/PartnerControls">
   <documentManagement>
@@ -23066,6 +24032,14 @@
 </file>
 
 <file path=customXml/itemProps1.xml><?xml version="1.0" encoding="utf-8"?>
+<ds:datastoreItem xmlns:ds="http://schemas.openxmlformats.org/officeDocument/2006/customXml" ds:itemID="{3C8E00D1-8EA3-4E42-801D-0253E1EAFC21}">
+  <ds:schemaRefs>
+    <ds:schemaRef ds:uri="http://schemas.microsoft.com/sharepoint/v3/contenttype/forms"/>
+  </ds:schemaRefs>
+</ds:datastoreItem>
+</file>
+
+<file path=customXml/itemProps2.xml><?xml version="1.0" encoding="utf-8"?>
 <ds:datastoreItem xmlns:ds="http://schemas.openxmlformats.org/officeDocument/2006/customXml" ds:itemID="{ABC329F5-30EE-4BF7-AA2A-B837B51416B4}">
   <ds:schemaRefs>
     <ds:schemaRef ds:uri="http://schemas.microsoft.com/office/2006/metadata/contentType"/>
@@ -23084,14 +24058,6 @@
 </ds:datastoreItem>
 </file>
 
-<file path=customXml/itemProps2.xml><?xml version="1.0" encoding="utf-8"?>
-<ds:datastoreItem xmlns:ds="http://schemas.openxmlformats.org/officeDocument/2006/customXml" ds:itemID="{3C8E00D1-8EA3-4E42-801D-0253E1EAFC21}">
-  <ds:schemaRefs>
-    <ds:schemaRef ds:uri="http://schemas.microsoft.com/sharepoint/v3/contenttype/forms"/>
-  </ds:schemaRefs>
-</ds:datastoreItem>
-</file>
-
 <file path=customXml/itemProps3.xml><?xml version="1.0" encoding="utf-8"?>
 <ds:datastoreItem xmlns:ds="http://schemas.openxmlformats.org/officeDocument/2006/customXml" ds:itemID="{99919F73-B6C2-4A43-95E2-833EC48925FE}">
   <ds:schemaRefs>

--- a/presentation/pm1_presentation_Margarita.pptx
+++ b/presentation/pm1_presentation_Margarita.pptx
@@ -13668,7 +13668,7 @@
         </p:blipFill>
         <p:spPr>
           <a:xfrm>
-            <a:off x="5357211" y="3931794"/>
+            <a:off x="4522078" y="3967304"/>
             <a:ext cx="453963" cy="498510"/>
           </a:xfrm>
           <a:prstGeom prst="roundRect">
@@ -13776,7 +13776,7 @@
         </p:blipFill>
         <p:spPr>
           <a:xfrm>
-            <a:off x="5353374" y="5489668"/>
+            <a:off x="4514402" y="5348845"/>
             <a:ext cx="461639" cy="537099"/>
           </a:xfrm>
           <a:prstGeom prst="roundRect">
@@ -13822,8 +13822,8 @@
         </p:nvSpPr>
         <p:spPr>
           <a:xfrm>
-            <a:off x="3635749" y="4740905"/>
-            <a:ext cx="6097656" cy="369332"/>
+            <a:off x="3655692" y="4607637"/>
+            <a:ext cx="2755526" cy="923330"/>
           </a:xfrm>
           <a:prstGeom prst="rect">
             <a:avLst/>
@@ -13836,6 +13836,7 @@
           </a:bodyPr>
           <a:lstStyle/>
           <a:p>
+            <a:pPr algn="ctr"/>
             <a:r>
               <a:rPr lang="en-US" sz="1800" dirty="0">
                 <a:solidFill>
@@ -13870,7 +13871,22 @@
                 <a:ea typeface="Calibri" panose="020F0502020204030204" pitchFamily="34" charset="0"/>
                 <a:cs typeface="Times New Roman" panose="02020603050405020304" pitchFamily="18" charset="0"/>
               </a:rPr>
-              <a:t>, requests, shapely, </a:t>
+              <a:t>, requests, </a:t>
+            </a:r>
+          </a:p>
+          <a:p>
+            <a:pPr algn="ctr"/>
+            <a:r>
+              <a:rPr lang="en-US" sz="1800" dirty="0">
+                <a:solidFill>
+                  <a:schemeClr val="bg1"/>
+                </a:solidFill>
+                <a:effectLst/>
+                <a:latin typeface="Calibri" panose="020F0502020204030204" pitchFamily="34" charset="0"/>
+                <a:ea typeface="Calibri" panose="020F0502020204030204" pitchFamily="34" charset="0"/>
+                <a:cs typeface="Times New Roman" panose="02020603050405020304" pitchFamily="18" charset="0"/>
+              </a:rPr>
+              <a:t>shapely, </a:t>
             </a:r>
             <a:r>
               <a:rPr lang="en-US" sz="1800" dirty="0" err="1">
@@ -13926,7 +13942,7 @@
         </p:blipFill>
         <p:spPr>
           <a:xfrm>
-            <a:off x="9900314" y="3874927"/>
+            <a:off x="7870427" y="3895843"/>
             <a:ext cx="468588" cy="468588"/>
           </a:xfrm>
           <a:prstGeom prst="roundRect">
@@ -13972,7 +13988,7 @@
         </p:nvSpPr>
         <p:spPr>
           <a:xfrm>
-            <a:off x="9684501" y="4625386"/>
+            <a:off x="7654614" y="4646302"/>
             <a:ext cx="897007" cy="369332"/>
           </a:xfrm>
           <a:prstGeom prst="rect">
@@ -14020,7 +14036,7 @@
         </p:nvSpPr>
         <p:spPr>
           <a:xfrm>
-            <a:off x="9641668" y="5164179"/>
+            <a:off x="7611781" y="5185095"/>
             <a:ext cx="1085850" cy="369332"/>
           </a:xfrm>
           <a:prstGeom prst="rect">
@@ -14068,7 +14084,7 @@
         </p:nvSpPr>
         <p:spPr>
           <a:xfrm>
-            <a:off x="9673562" y="5721215"/>
+            <a:off x="7643675" y="5742131"/>
             <a:ext cx="996398" cy="369332"/>
           </a:xfrm>
           <a:prstGeom prst="rect">
@@ -14294,7 +14310,7 @@
         </p:nvCxnSpPr>
         <p:spPr>
           <a:xfrm>
-            <a:off x="8295598" y="4925571"/>
+            <a:off x="6285823" y="5020821"/>
             <a:ext cx="837570" cy="0"/>
           </a:xfrm>
           <a:prstGeom prst="straightConnector1">
@@ -14336,7 +14352,7 @@
         </p:nvSpPr>
         <p:spPr>
           <a:xfrm>
-            <a:off x="9205683" y="3813145"/>
+            <a:off x="7262454" y="3898886"/>
             <a:ext cx="341086" cy="2243870"/>
           </a:xfrm>
           <a:prstGeom prst="leftBrace">
@@ -14385,7 +14401,7 @@
         </p:nvCxnSpPr>
         <p:spPr>
           <a:xfrm>
-            <a:off x="10163503" y="4346224"/>
+            <a:off x="8133616" y="4367140"/>
             <a:ext cx="0" cy="376461"/>
           </a:xfrm>
           <a:prstGeom prst="straightConnector1">
@@ -14427,7 +14443,7 @@
         </p:nvCxnSpPr>
         <p:spPr>
           <a:xfrm>
-            <a:off x="10163503" y="4896826"/>
+            <a:off x="8133616" y="4917742"/>
             <a:ext cx="0" cy="376461"/>
           </a:xfrm>
           <a:prstGeom prst="straightConnector1">
@@ -14469,7 +14485,7 @@
         </p:nvCxnSpPr>
         <p:spPr>
           <a:xfrm>
-            <a:off x="10163503" y="5459414"/>
+            <a:off x="8133616" y="5480330"/>
             <a:ext cx="0" cy="376461"/>
           </a:xfrm>
           <a:prstGeom prst="straightConnector1">
@@ -14521,6 +14537,78 @@
           <a:xfrm>
             <a:off x="1949107" y="3723734"/>
             <a:ext cx="512558" cy="640697"/>
+          </a:xfrm>
+          <a:prstGeom prst="rect">
+            <a:avLst/>
+          </a:prstGeom>
+        </p:spPr>
+      </p:pic>
+      <p:cxnSp>
+        <p:nvCxnSpPr>
+          <p:cNvPr id="5" name="Conector recto de flecha 40">
+            <a:extLst>
+              <a:ext uri="{FF2B5EF4-FFF2-40B4-BE49-F238E27FC236}">
+                <a16:creationId xmlns:a16="http://schemas.microsoft.com/office/drawing/2014/main" id="{BFF0F9C4-BE62-8E59-1E10-C1BD04F992B5}"/>
+              </a:ext>
+            </a:extLst>
+          </p:cNvPr>
+          <p:cNvCxnSpPr/>
+          <p:nvPr/>
+        </p:nvCxnSpPr>
+        <p:spPr>
+          <a:xfrm>
+            <a:off x="8551621" y="5030346"/>
+            <a:ext cx="837570" cy="0"/>
+          </a:xfrm>
+          <a:prstGeom prst="straightConnector1">
+            <a:avLst/>
+          </a:prstGeom>
+          <a:ln>
+            <a:solidFill>
+              <a:schemeClr val="bg1"/>
+            </a:solidFill>
+            <a:tailEnd type="triangle"/>
+          </a:ln>
+        </p:spPr>
+        <p:style>
+          <a:lnRef idx="1">
+            <a:schemeClr val="accent1"/>
+          </a:lnRef>
+          <a:fillRef idx="0">
+            <a:schemeClr val="accent1"/>
+          </a:fillRef>
+          <a:effectRef idx="0">
+            <a:schemeClr val="accent1"/>
+          </a:effectRef>
+          <a:fontRef idx="minor">
+            <a:schemeClr val="tx1"/>
+          </a:fontRef>
+        </p:style>
+      </p:cxnSp>
+      <p:pic>
+        <p:nvPicPr>
+          <p:cNvPr id="11" name="Picture 10">
+            <a:extLst>
+              <a:ext uri="{FF2B5EF4-FFF2-40B4-BE49-F238E27FC236}">
+                <a16:creationId xmlns:a16="http://schemas.microsoft.com/office/drawing/2014/main" id="{3987C7C7-4EF5-8312-F0F8-F208A0B54A02}"/>
+              </a:ext>
+            </a:extLst>
+          </p:cNvPr>
+          <p:cNvPicPr>
+            <a:picLocks noChangeAspect="1"/>
+          </p:cNvPicPr>
+          <p:nvPr/>
+        </p:nvPicPr>
+        <p:blipFill>
+          <a:blip r:embed="rId7"/>
+          <a:stretch>
+            <a:fillRect/>
+          </a:stretch>
+        </p:blipFill>
+        <p:spPr>
+          <a:xfrm>
+            <a:off x="9521483" y="4607637"/>
+            <a:ext cx="565491" cy="705201"/>
           </a:xfrm>
           <a:prstGeom prst="rect">
             <a:avLst/>
@@ -16459,6 +16547,110 @@
                                   </p:childTnLst>
                                 </p:cTn>
                               </p:par>
+                              <p:par>
+                                <p:cTn id="118" presetID="31" presetClass="entr" presetSubtype="0" fill="hold" nodeType="withEffect">
+                                  <p:stCondLst>
+                                    <p:cond delay="0"/>
+                                  </p:stCondLst>
+                                  <p:childTnLst>
+                                    <p:set>
+                                      <p:cBhvr>
+                                        <p:cTn id="119" dur="1" fill="hold">
+                                          <p:stCondLst>
+                                            <p:cond delay="0"/>
+                                          </p:stCondLst>
+                                        </p:cTn>
+                                        <p:tgtEl>
+                                          <p:spTgt spid="5"/>
+                                        </p:tgtEl>
+                                        <p:attrNameLst>
+                                          <p:attrName>style.visibility</p:attrName>
+                                        </p:attrNameLst>
+                                      </p:cBhvr>
+                                      <p:to>
+                                        <p:strVal val="visible"/>
+                                      </p:to>
+                                    </p:set>
+                                    <p:anim calcmode="lin" valueType="num">
+                                      <p:cBhvr>
+                                        <p:cTn id="120" dur="1000" fill="hold"/>
+                                        <p:tgtEl>
+                                          <p:spTgt spid="5"/>
+                                        </p:tgtEl>
+                                        <p:attrNameLst>
+                                          <p:attrName>ppt_w</p:attrName>
+                                        </p:attrNameLst>
+                                      </p:cBhvr>
+                                      <p:tavLst>
+                                        <p:tav tm="0">
+                                          <p:val>
+                                            <p:fltVal val="0"/>
+                                          </p:val>
+                                        </p:tav>
+                                        <p:tav tm="100000">
+                                          <p:val>
+                                            <p:strVal val="#ppt_w"/>
+                                          </p:val>
+                                        </p:tav>
+                                      </p:tavLst>
+                                    </p:anim>
+                                    <p:anim calcmode="lin" valueType="num">
+                                      <p:cBhvr>
+                                        <p:cTn id="121" dur="1000" fill="hold"/>
+                                        <p:tgtEl>
+                                          <p:spTgt spid="5"/>
+                                        </p:tgtEl>
+                                        <p:attrNameLst>
+                                          <p:attrName>ppt_h</p:attrName>
+                                        </p:attrNameLst>
+                                      </p:cBhvr>
+                                      <p:tavLst>
+                                        <p:tav tm="0">
+                                          <p:val>
+                                            <p:fltVal val="0"/>
+                                          </p:val>
+                                        </p:tav>
+                                        <p:tav tm="100000">
+                                          <p:val>
+                                            <p:strVal val="#ppt_h"/>
+                                          </p:val>
+                                        </p:tav>
+                                      </p:tavLst>
+                                    </p:anim>
+                                    <p:anim calcmode="lin" valueType="num">
+                                      <p:cBhvr>
+                                        <p:cTn id="122" dur="1000" fill="hold"/>
+                                        <p:tgtEl>
+                                          <p:spTgt spid="5"/>
+                                        </p:tgtEl>
+                                        <p:attrNameLst>
+                                          <p:attrName>style.rotation</p:attrName>
+                                        </p:attrNameLst>
+                                      </p:cBhvr>
+                                      <p:tavLst>
+                                        <p:tav tm="0">
+                                          <p:val>
+                                            <p:fltVal val="90"/>
+                                          </p:val>
+                                        </p:tav>
+                                        <p:tav tm="100000">
+                                          <p:val>
+                                            <p:fltVal val="0"/>
+                                          </p:val>
+                                        </p:tav>
+                                      </p:tavLst>
+                                    </p:anim>
+                                    <p:animEffect transition="in" filter="fade">
+                                      <p:cBhvr>
+                                        <p:cTn id="123" dur="1000"/>
+                                        <p:tgtEl>
+                                          <p:spTgt spid="5"/>
+                                        </p:tgtEl>
+                                      </p:cBhvr>
+                                    </p:animEffect>
+                                  </p:childTnLst>
+                                </p:cTn>
+                              </p:par>
                             </p:childTnLst>
                           </p:cTn>
                         </p:par>
@@ -23793,12 +23985,12 @@
 </file>
 
 <file path=customXml/item1.xml><?xml version="1.0" encoding="utf-8"?>
-<?mso-contentType ?>
-<FormTemplates xmlns="http://schemas.microsoft.com/sharepoint/v3/contenttype/forms">
-  <Display>DocumentLibraryForm</Display>
-  <Edit>DocumentLibraryForm</Edit>
-  <New>DocumentLibraryForm</New>
-</FormTemplates>
+<p:properties xmlns:p="http://schemas.microsoft.com/office/2006/metadata/properties" xmlns:xsi="http://www.w3.org/2001/XMLSchema-instance" xmlns:pc="http://schemas.microsoft.com/office/infopath/2007/PartnerControls">
+  <documentManagement>
+    <Status xmlns="71af3243-3dd4-4a8d-8c0d-dd76da1f02a5">Not started</Status>
+    <MediaServiceKeyPoints xmlns="71af3243-3dd4-4a8d-8c0d-dd76da1f02a5" xsi:nil="true"/>
+  </documentManagement>
+</p:properties>
 </file>
 
 <file path=customXml/item2.xml><?xml version="1.0" encoding="utf-8"?>
@@ -24023,18 +24215,20 @@
 </file>
 
 <file path=customXml/item3.xml><?xml version="1.0" encoding="utf-8"?>
-<p:properties xmlns:p="http://schemas.microsoft.com/office/2006/metadata/properties" xmlns:xsi="http://www.w3.org/2001/XMLSchema-instance" xmlns:pc="http://schemas.microsoft.com/office/infopath/2007/PartnerControls">
-  <documentManagement>
-    <Status xmlns="71af3243-3dd4-4a8d-8c0d-dd76da1f02a5">Not started</Status>
-    <MediaServiceKeyPoints xmlns="71af3243-3dd4-4a8d-8c0d-dd76da1f02a5" xsi:nil="true"/>
-  </documentManagement>
-</p:properties>
+<?mso-contentType ?>
+<FormTemplates xmlns="http://schemas.microsoft.com/sharepoint/v3/contenttype/forms">
+  <Display>DocumentLibraryForm</Display>
+  <Edit>DocumentLibraryForm</Edit>
+  <New>DocumentLibraryForm</New>
+</FormTemplates>
 </file>
 
 <file path=customXml/itemProps1.xml><?xml version="1.0" encoding="utf-8"?>
-<ds:datastoreItem xmlns:ds="http://schemas.openxmlformats.org/officeDocument/2006/customXml" ds:itemID="{3C8E00D1-8EA3-4E42-801D-0253E1EAFC21}">
+<ds:datastoreItem xmlns:ds="http://schemas.openxmlformats.org/officeDocument/2006/customXml" ds:itemID="{99919F73-B6C2-4A43-95E2-833EC48925FE}">
   <ds:schemaRefs>
-    <ds:schemaRef ds:uri="http://schemas.microsoft.com/sharepoint/v3/contenttype/forms"/>
+    <ds:schemaRef ds:uri="http://schemas.microsoft.com/office/2006/metadata/properties"/>
+    <ds:schemaRef ds:uri="http://schemas.microsoft.com/office/infopath/2007/PartnerControls"/>
+    <ds:schemaRef ds:uri="71af3243-3dd4-4a8d-8c0d-dd76da1f02a5"/>
   </ds:schemaRefs>
 </ds:datastoreItem>
 </file>
@@ -24059,11 +24253,9 @@
 </file>
 
 <file path=customXml/itemProps3.xml><?xml version="1.0" encoding="utf-8"?>
-<ds:datastoreItem xmlns:ds="http://schemas.openxmlformats.org/officeDocument/2006/customXml" ds:itemID="{99919F73-B6C2-4A43-95E2-833EC48925FE}">
+<ds:datastoreItem xmlns:ds="http://schemas.openxmlformats.org/officeDocument/2006/customXml" ds:itemID="{3C8E00D1-8EA3-4E42-801D-0253E1EAFC21}">
   <ds:schemaRefs>
-    <ds:schemaRef ds:uri="http://schemas.microsoft.com/office/2006/metadata/properties"/>
-    <ds:schemaRef ds:uri="http://schemas.microsoft.com/office/infopath/2007/PartnerControls"/>
-    <ds:schemaRef ds:uri="71af3243-3dd4-4a8d-8c0d-dd76da1f02a5"/>
+    <ds:schemaRef ds:uri="http://schemas.microsoft.com/sharepoint/v3/contenttype/forms"/>
   </ds:schemaRefs>
 </ds:datastoreItem>
 </file>
--- a/presentation/pm1_presentation_Margarita.pptx
+++ b/presentation/pm1_presentation_Margarita.pptx
@@ -14535,7 +14535,7 @@
         </p:blipFill>
         <p:spPr>
           <a:xfrm>
-            <a:off x="1949107" y="3723734"/>
+            <a:off x="830556" y="3646955"/>
             <a:ext cx="512558" cy="640697"/>
           </a:xfrm>
           <a:prstGeom prst="rect">
@@ -14615,6 +14615,80 @@
           </a:prstGeom>
         </p:spPr>
       </p:pic>
+      <p:pic>
+        <p:nvPicPr>
+          <p:cNvPr id="15" name="Picture 14">
+            <a:extLst>
+              <a:ext uri="{FF2B5EF4-FFF2-40B4-BE49-F238E27FC236}">
+                <a16:creationId xmlns:a16="http://schemas.microsoft.com/office/drawing/2014/main" id="{EC93AD67-B808-249F-233E-6CADEED0F17D}"/>
+              </a:ext>
+            </a:extLst>
+          </p:cNvPr>
+          <p:cNvPicPr>
+            <a:picLocks noChangeAspect="1"/>
+          </p:cNvPicPr>
+          <p:nvPr/>
+        </p:nvPicPr>
+        <p:blipFill>
+          <a:blip r:embed="rId8"/>
+          <a:stretch>
+            <a:fillRect/>
+          </a:stretch>
+        </p:blipFill>
+        <p:spPr>
+          <a:xfrm>
+            <a:off x="1751679" y="3649658"/>
+            <a:ext cx="729445" cy="652942"/>
+          </a:xfrm>
+          <a:prstGeom prst="rect">
+            <a:avLst/>
+          </a:prstGeom>
+        </p:spPr>
+      </p:pic>
+      <p:cxnSp>
+        <p:nvCxnSpPr>
+          <p:cNvPr id="17" name="Conector recto de flecha 40">
+            <a:extLst>
+              <a:ext uri="{FF2B5EF4-FFF2-40B4-BE49-F238E27FC236}">
+                <a16:creationId xmlns:a16="http://schemas.microsoft.com/office/drawing/2014/main" id="{7948513C-40AF-FC96-D8F5-AE671C4A1660}"/>
+              </a:ext>
+            </a:extLst>
+          </p:cNvPr>
+          <p:cNvCxnSpPr>
+            <a:cxnSpLocks/>
+          </p:cNvCxnSpPr>
+          <p:nvPr/>
+        </p:nvCxnSpPr>
+        <p:spPr>
+          <a:xfrm>
+            <a:off x="1435128" y="3963945"/>
+            <a:ext cx="165535" cy="0"/>
+          </a:xfrm>
+          <a:prstGeom prst="straightConnector1">
+            <a:avLst/>
+          </a:prstGeom>
+          <a:ln>
+            <a:solidFill>
+              <a:schemeClr val="bg1"/>
+            </a:solidFill>
+            <a:tailEnd type="triangle"/>
+          </a:ln>
+        </p:spPr>
+        <p:style>
+          <a:lnRef idx="1">
+            <a:schemeClr val="accent1"/>
+          </a:lnRef>
+          <a:fillRef idx="0">
+            <a:schemeClr val="accent1"/>
+          </a:fillRef>
+          <a:effectRef idx="0">
+            <a:schemeClr val="accent1"/>
+          </a:effectRef>
+          <a:fontRef idx="minor">
+            <a:schemeClr val="tx1"/>
+          </a:fontRef>
+        </p:style>
+      </p:cxnSp>
     </p:spTree>
     <p:extLst>
       <p:ext uri="{BB962C8B-B14F-4D97-AF65-F5344CB8AC3E}">
@@ -16651,6 +16725,110 @@
                                   </p:childTnLst>
                                 </p:cTn>
                               </p:par>
+                              <p:par>
+                                <p:cTn id="124" presetID="31" presetClass="entr" presetSubtype="0" fill="hold" nodeType="withEffect">
+                                  <p:stCondLst>
+                                    <p:cond delay="0"/>
+                                  </p:stCondLst>
+                                  <p:childTnLst>
+                                    <p:set>
+                                      <p:cBhvr>
+                                        <p:cTn id="125" dur="1" fill="hold">
+                                          <p:stCondLst>
+                                            <p:cond delay="0"/>
+                                          </p:stCondLst>
+                                        </p:cTn>
+                                        <p:tgtEl>
+                                          <p:spTgt spid="17"/>
+                                        </p:tgtEl>
+                                        <p:attrNameLst>
+                                          <p:attrName>style.visibility</p:attrName>
+                                        </p:attrNameLst>
+                                      </p:cBhvr>
+                                      <p:to>
+                                        <p:strVal val="visible"/>
+                                      </p:to>
+                                    </p:set>
+                                    <p:anim calcmode="lin" valueType="num">
+                                      <p:cBhvr>
+                                        <p:cTn id="126" dur="1000" fill="hold"/>
+                                        <p:tgtEl>
+                                          <p:spTgt spid="17"/>
+                                        </p:tgtEl>
+                                        <p:attrNameLst>
+                                          <p:attrName>ppt_w</p:attrName>
+                                        </p:attrNameLst>
+                                      </p:cBhvr>
+                                      <p:tavLst>
+                                        <p:tav tm="0">
+                                          <p:val>
+                                            <p:fltVal val="0"/>
+                                          </p:val>
+                                        </p:tav>
+                                        <p:tav tm="100000">
+                                          <p:val>
+                                            <p:strVal val="#ppt_w"/>
+                                          </p:val>
+                                        </p:tav>
+                                      </p:tavLst>
+                                    </p:anim>
+                                    <p:anim calcmode="lin" valueType="num">
+                                      <p:cBhvr>
+                                        <p:cTn id="127" dur="1000" fill="hold"/>
+                                        <p:tgtEl>
+                                          <p:spTgt spid="17"/>
+                                        </p:tgtEl>
+                                        <p:attrNameLst>
+                                          <p:attrName>ppt_h</p:attrName>
+                                        </p:attrNameLst>
+                                      </p:cBhvr>
+                                      <p:tavLst>
+                                        <p:tav tm="0">
+                                          <p:val>
+                                            <p:fltVal val="0"/>
+                                          </p:val>
+                                        </p:tav>
+                                        <p:tav tm="100000">
+                                          <p:val>
+                                            <p:strVal val="#ppt_h"/>
+                                          </p:val>
+                                        </p:tav>
+                                      </p:tavLst>
+                                    </p:anim>
+                                    <p:anim calcmode="lin" valueType="num">
+                                      <p:cBhvr>
+                                        <p:cTn id="128" dur="1000" fill="hold"/>
+                                        <p:tgtEl>
+                                          <p:spTgt spid="17"/>
+                                        </p:tgtEl>
+                                        <p:attrNameLst>
+                                          <p:attrName>style.rotation</p:attrName>
+                                        </p:attrNameLst>
+                                      </p:cBhvr>
+                                      <p:tavLst>
+                                        <p:tav tm="0">
+                                          <p:val>
+                                            <p:fltVal val="90"/>
+                                          </p:val>
+                                        </p:tav>
+                                        <p:tav tm="100000">
+                                          <p:val>
+                                            <p:fltVal val="0"/>
+                                          </p:val>
+                                        </p:tav>
+                                      </p:tavLst>
+                                    </p:anim>
+                                    <p:animEffect transition="in" filter="fade">
+                                      <p:cBhvr>
+                                        <p:cTn id="129" dur="1000"/>
+                                        <p:tgtEl>
+                                          <p:spTgt spid="17"/>
+                                        </p:tgtEl>
+                                      </p:cBhvr>
+                                    </p:animEffect>
+                                  </p:childTnLst>
+                                </p:cTn>
+                              </p:par>
                             </p:childTnLst>
                           </p:cTn>
                         </p:par>
@@ -23985,12 +24163,12 @@
 </file>
 
 <file path=customXml/item1.xml><?xml version="1.0" encoding="utf-8"?>
-<p:properties xmlns:p="http://schemas.microsoft.com/office/2006/metadata/properties" xmlns:xsi="http://www.w3.org/2001/XMLSchema-instance" xmlns:pc="http://schemas.microsoft.com/office/infopath/2007/PartnerControls">
-  <documentManagement>
-    <Status xmlns="71af3243-3dd4-4a8d-8c0d-dd76da1f02a5">Not started</Status>
-    <MediaServiceKeyPoints xmlns="71af3243-3dd4-4a8d-8c0d-dd76da1f02a5" xsi:nil="true"/>
-  </documentManagement>
-</p:properties>
+<?mso-contentType ?>
+<FormTemplates xmlns="http://schemas.microsoft.com/sharepoint/v3/contenttype/forms">
+  <Display>DocumentLibraryForm</Display>
+  <Edit>DocumentLibraryForm</Edit>
+  <New>DocumentLibraryForm</New>
+</FormTemplates>
 </file>
 
 <file path=customXml/item2.xml><?xml version="1.0" encoding="utf-8"?>
@@ -24215,20 +24393,18 @@
 </file>
 
 <file path=customXml/item3.xml><?xml version="1.0" encoding="utf-8"?>
-<?mso-contentType ?>
-<FormTemplates xmlns="http://schemas.microsoft.com/sharepoint/v3/contenttype/forms">
-  <Display>DocumentLibraryForm</Display>
-  <Edit>DocumentLibraryForm</Edit>
-  <New>DocumentLibraryForm</New>
-</FormTemplates>
+<p:properties xmlns:p="http://schemas.microsoft.com/office/2006/metadata/properties" xmlns:xsi="http://www.w3.org/2001/XMLSchema-instance" xmlns:pc="http://schemas.microsoft.com/office/infopath/2007/PartnerControls">
+  <documentManagement>
+    <Status xmlns="71af3243-3dd4-4a8d-8c0d-dd76da1f02a5">Not started</Status>
+    <MediaServiceKeyPoints xmlns="71af3243-3dd4-4a8d-8c0d-dd76da1f02a5" xsi:nil="true"/>
+  </documentManagement>
+</p:properties>
 </file>
 
 <file path=customXml/itemProps1.xml><?xml version="1.0" encoding="utf-8"?>
-<ds:datastoreItem xmlns:ds="http://schemas.openxmlformats.org/officeDocument/2006/customXml" ds:itemID="{99919F73-B6C2-4A43-95E2-833EC48925FE}">
+<ds:datastoreItem xmlns:ds="http://schemas.openxmlformats.org/officeDocument/2006/customXml" ds:itemID="{3C8E00D1-8EA3-4E42-801D-0253E1EAFC21}">
   <ds:schemaRefs>
-    <ds:schemaRef ds:uri="http://schemas.microsoft.com/office/2006/metadata/properties"/>
-    <ds:schemaRef ds:uri="http://schemas.microsoft.com/office/infopath/2007/PartnerControls"/>
-    <ds:schemaRef ds:uri="71af3243-3dd4-4a8d-8c0d-dd76da1f02a5"/>
+    <ds:schemaRef ds:uri="http://schemas.microsoft.com/sharepoint/v3/contenttype/forms"/>
   </ds:schemaRefs>
 </ds:datastoreItem>
 </file>
@@ -24253,9 +24429,11 @@
 </file>
 
 <file path=customXml/itemProps3.xml><?xml version="1.0" encoding="utf-8"?>
-<ds:datastoreItem xmlns:ds="http://schemas.openxmlformats.org/officeDocument/2006/customXml" ds:itemID="{3C8E00D1-8EA3-4E42-801D-0253E1EAFC21}">
+<ds:datastoreItem xmlns:ds="http://schemas.openxmlformats.org/officeDocument/2006/customXml" ds:itemID="{99919F73-B6C2-4A43-95E2-833EC48925FE}">
   <ds:schemaRefs>
-    <ds:schemaRef ds:uri="http://schemas.microsoft.com/sharepoint/v3/contenttype/forms"/>
+    <ds:schemaRef ds:uri="http://schemas.microsoft.com/office/2006/metadata/properties"/>
+    <ds:schemaRef ds:uri="http://schemas.microsoft.com/office/infopath/2007/PartnerControls"/>
+    <ds:schemaRef ds:uri="71af3243-3dd4-4a8d-8c0d-dd76da1f02a5"/>
   </ds:schemaRefs>
 </ds:datastoreItem>
 </file>